--- a/other/Participant Scheduling System.pptx
+++ b/other/Participant Scheduling System.pptx
@@ -4,6 +4,9 @@
   <p:sldMasterIdLst>
     <p:sldMasterId id="2147483660" r:id="rId1"/>
   </p:sldMasterIdLst>
+  <p:notesMasterIdLst>
+    <p:notesMasterId r:id="rId17"/>
+  </p:notesMasterIdLst>
   <p:sldIdLst>
     <p:sldId id="256" r:id="rId2"/>
     <p:sldId id="257" r:id="rId3"/>
@@ -119,6 +122,1676 @@
     </a:lvl9pPr>
   </p:defaultTextStyle>
 </p:presentation>
+</file>
+
+<file path=ppt/notesMasters/notesMaster1.xml><?xml version="1.0" encoding="utf-8"?>
+<p:notesMaster xmlns:a="http://schemas.openxmlformats.org/drawingml/2006/main" xmlns:r="http://schemas.openxmlformats.org/officeDocument/2006/relationships" xmlns:p="http://schemas.openxmlformats.org/presentationml/2006/main">
+  <p:cSld>
+    <p:bg>
+      <p:bgRef idx="1001">
+        <a:schemeClr val="bg1"/>
+      </p:bgRef>
+    </p:bg>
+    <p:spTree>
+      <p:nvGrpSpPr>
+        <p:cNvPr id="1" name=""/>
+        <p:cNvGrpSpPr/>
+        <p:nvPr/>
+      </p:nvGrpSpPr>
+      <p:grpSpPr>
+        <a:xfrm>
+          <a:off x="0" y="0"/>
+          <a:ext cx="0" cy="0"/>
+          <a:chOff x="0" y="0"/>
+          <a:chExt cx="0" cy="0"/>
+        </a:xfrm>
+      </p:grpSpPr>
+      <p:sp>
+        <p:nvSpPr>
+          <p:cNvPr id="2" name="Header Placeholder 1"/>
+          <p:cNvSpPr>
+            <a:spLocks noGrp="1"/>
+          </p:cNvSpPr>
+          <p:nvPr>
+            <p:ph type="hdr" sz="quarter"/>
+          </p:nvPr>
+        </p:nvSpPr>
+        <p:spPr>
+          <a:xfrm>
+            <a:off x="0" y="0"/>
+            <a:ext cx="2971800" cy="457200"/>
+          </a:xfrm>
+          <a:prstGeom prst="rect">
+            <a:avLst/>
+          </a:prstGeom>
+        </p:spPr>
+        <p:txBody>
+          <a:bodyPr vert="horz" lIns="91440" tIns="45720" rIns="91440" bIns="45720" rtlCol="0"/>
+          <a:lstStyle>
+            <a:lvl1pPr algn="l">
+              <a:defRPr sz="1200"/>
+            </a:lvl1pPr>
+          </a:lstStyle>
+          <a:p>
+            <a:endParaRPr lang="en-US"/>
+          </a:p>
+        </p:txBody>
+      </p:sp>
+      <p:sp>
+        <p:nvSpPr>
+          <p:cNvPr id="3" name="Date Placeholder 2"/>
+          <p:cNvSpPr>
+            <a:spLocks noGrp="1"/>
+          </p:cNvSpPr>
+          <p:nvPr>
+            <p:ph type="dt" idx="1"/>
+          </p:nvPr>
+        </p:nvSpPr>
+        <p:spPr>
+          <a:xfrm>
+            <a:off x="3884613" y="0"/>
+            <a:ext cx="2971800" cy="457200"/>
+          </a:xfrm>
+          <a:prstGeom prst="rect">
+            <a:avLst/>
+          </a:prstGeom>
+        </p:spPr>
+        <p:txBody>
+          <a:bodyPr vert="horz" lIns="91440" tIns="45720" rIns="91440" bIns="45720" rtlCol="0"/>
+          <a:lstStyle>
+            <a:lvl1pPr algn="r">
+              <a:defRPr sz="1200"/>
+            </a:lvl1pPr>
+          </a:lstStyle>
+          <a:p>
+            <a:fld id="{000A8CA1-E215-43EC-8A3A-B2C00315C3C0}" type="datetimeFigureOut">
+              <a:rPr lang="en-US" smtClean="0"/>
+              <a:t>11/9/2011</a:t>
+            </a:fld>
+            <a:endParaRPr lang="en-US"/>
+          </a:p>
+        </p:txBody>
+      </p:sp>
+      <p:sp>
+        <p:nvSpPr>
+          <p:cNvPr id="4" name="Slide Image Placeholder 3"/>
+          <p:cNvSpPr>
+            <a:spLocks noGrp="1" noRot="1" noChangeAspect="1"/>
+          </p:cNvSpPr>
+          <p:nvPr>
+            <p:ph type="sldImg" idx="2"/>
+          </p:nvPr>
+        </p:nvSpPr>
+        <p:spPr>
+          <a:xfrm>
+            <a:off x="1143000" y="685800"/>
+            <a:ext cx="4572000" cy="3429000"/>
+          </a:xfrm>
+          <a:prstGeom prst="rect">
+            <a:avLst/>
+          </a:prstGeom>
+          <a:noFill/>
+          <a:ln w="12700">
+            <a:solidFill>
+              <a:prstClr val="black"/>
+            </a:solidFill>
+          </a:ln>
+        </p:spPr>
+        <p:txBody>
+          <a:bodyPr vert="horz" lIns="91440" tIns="45720" rIns="91440" bIns="45720" rtlCol="0" anchor="ctr"/>
+          <a:lstStyle/>
+          <a:p>
+            <a:endParaRPr lang="en-US"/>
+          </a:p>
+        </p:txBody>
+      </p:sp>
+      <p:sp>
+        <p:nvSpPr>
+          <p:cNvPr id="5" name="Notes Placeholder 4"/>
+          <p:cNvSpPr>
+            <a:spLocks noGrp="1"/>
+          </p:cNvSpPr>
+          <p:nvPr>
+            <p:ph type="body" sz="quarter" idx="3"/>
+          </p:nvPr>
+        </p:nvSpPr>
+        <p:spPr>
+          <a:xfrm>
+            <a:off x="685800" y="4343400"/>
+            <a:ext cx="5486400" cy="4114800"/>
+          </a:xfrm>
+          <a:prstGeom prst="rect">
+            <a:avLst/>
+          </a:prstGeom>
+        </p:spPr>
+        <p:txBody>
+          <a:bodyPr vert="horz" lIns="91440" tIns="45720" rIns="91440" bIns="45720" rtlCol="0"/>
+          <a:lstStyle/>
+          <a:p>
+            <a:pPr lvl="0"/>
+            <a:r>
+              <a:rPr lang="en-US" smtClean="0"/>
+              <a:t>Click to edit Master text styles</a:t>
+            </a:r>
+          </a:p>
+          <a:p>
+            <a:pPr lvl="1"/>
+            <a:r>
+              <a:rPr lang="en-US" smtClean="0"/>
+              <a:t>Second level</a:t>
+            </a:r>
+          </a:p>
+          <a:p>
+            <a:pPr lvl="2"/>
+            <a:r>
+              <a:rPr lang="en-US" smtClean="0"/>
+              <a:t>Third level</a:t>
+            </a:r>
+          </a:p>
+          <a:p>
+            <a:pPr lvl="3"/>
+            <a:r>
+              <a:rPr lang="en-US" smtClean="0"/>
+              <a:t>Fourth level</a:t>
+            </a:r>
+          </a:p>
+          <a:p>
+            <a:pPr lvl="4"/>
+            <a:r>
+              <a:rPr lang="en-US" smtClean="0"/>
+              <a:t>Fifth level</a:t>
+            </a:r>
+            <a:endParaRPr lang="en-US"/>
+          </a:p>
+        </p:txBody>
+      </p:sp>
+      <p:sp>
+        <p:nvSpPr>
+          <p:cNvPr id="6" name="Footer Placeholder 5"/>
+          <p:cNvSpPr>
+            <a:spLocks noGrp="1"/>
+          </p:cNvSpPr>
+          <p:nvPr>
+            <p:ph type="ftr" sz="quarter" idx="4"/>
+          </p:nvPr>
+        </p:nvSpPr>
+        <p:spPr>
+          <a:xfrm>
+            <a:off x="0" y="8685213"/>
+            <a:ext cx="2971800" cy="457200"/>
+          </a:xfrm>
+          <a:prstGeom prst="rect">
+            <a:avLst/>
+          </a:prstGeom>
+        </p:spPr>
+        <p:txBody>
+          <a:bodyPr vert="horz" lIns="91440" tIns="45720" rIns="91440" bIns="45720" rtlCol="0" anchor="b"/>
+          <a:lstStyle>
+            <a:lvl1pPr algn="l">
+              <a:defRPr sz="1200"/>
+            </a:lvl1pPr>
+          </a:lstStyle>
+          <a:p>
+            <a:endParaRPr lang="en-US"/>
+          </a:p>
+        </p:txBody>
+      </p:sp>
+      <p:sp>
+        <p:nvSpPr>
+          <p:cNvPr id="7" name="Slide Number Placeholder 6"/>
+          <p:cNvSpPr>
+            <a:spLocks noGrp="1"/>
+          </p:cNvSpPr>
+          <p:nvPr>
+            <p:ph type="sldNum" sz="quarter" idx="5"/>
+          </p:nvPr>
+        </p:nvSpPr>
+        <p:spPr>
+          <a:xfrm>
+            <a:off x="3884613" y="8685213"/>
+            <a:ext cx="2971800" cy="457200"/>
+          </a:xfrm>
+          <a:prstGeom prst="rect">
+            <a:avLst/>
+          </a:prstGeom>
+        </p:spPr>
+        <p:txBody>
+          <a:bodyPr vert="horz" lIns="91440" tIns="45720" rIns="91440" bIns="45720" rtlCol="0" anchor="b"/>
+          <a:lstStyle>
+            <a:lvl1pPr algn="r">
+              <a:defRPr sz="1200"/>
+            </a:lvl1pPr>
+          </a:lstStyle>
+          <a:p>
+            <a:fld id="{FD26B717-0AAD-47A2-9830-5A33C56D3F1D}" type="slidenum">
+              <a:rPr lang="en-US" smtClean="0"/>
+              <a:t>‹#›</a:t>
+            </a:fld>
+            <a:endParaRPr lang="en-US"/>
+          </a:p>
+        </p:txBody>
+      </p:sp>
+    </p:spTree>
+    <p:extLst>
+      <p:ext uri="{BB962C8B-B14F-4D97-AF65-F5344CB8AC3E}">
+        <p14:creationId xmlns:p14="http://schemas.microsoft.com/office/powerpoint/2010/main" val="2979408043"/>
+      </p:ext>
+    </p:extLst>
+  </p:cSld>
+  <p:clrMap bg1="lt1" tx1="dk1" bg2="lt2" tx2="dk2" accent1="accent1" accent2="accent2" accent3="accent3" accent4="accent4" accent5="accent5" accent6="accent6" hlink="hlink" folHlink="folHlink"/>
+  <p:notesStyle>
+    <a:lvl1pPr marL="0" algn="l" defTabSz="914400" rtl="0" eaLnBrk="1" latinLnBrk="0" hangingPunct="1">
+      <a:defRPr sz="1200" kern="1200">
+        <a:solidFill>
+          <a:schemeClr val="tx1"/>
+        </a:solidFill>
+        <a:latin typeface="+mn-lt"/>
+        <a:ea typeface="+mn-ea"/>
+        <a:cs typeface="+mn-cs"/>
+      </a:defRPr>
+    </a:lvl1pPr>
+    <a:lvl2pPr marL="457200" algn="l" defTabSz="914400" rtl="0" eaLnBrk="1" latinLnBrk="0" hangingPunct="1">
+      <a:defRPr sz="1200" kern="1200">
+        <a:solidFill>
+          <a:schemeClr val="tx1"/>
+        </a:solidFill>
+        <a:latin typeface="+mn-lt"/>
+        <a:ea typeface="+mn-ea"/>
+        <a:cs typeface="+mn-cs"/>
+      </a:defRPr>
+    </a:lvl2pPr>
+    <a:lvl3pPr marL="914400" algn="l" defTabSz="914400" rtl="0" eaLnBrk="1" latinLnBrk="0" hangingPunct="1">
+      <a:defRPr sz="1200" kern="1200">
+        <a:solidFill>
+          <a:schemeClr val="tx1"/>
+        </a:solidFill>
+        <a:latin typeface="+mn-lt"/>
+        <a:ea typeface="+mn-ea"/>
+        <a:cs typeface="+mn-cs"/>
+      </a:defRPr>
+    </a:lvl3pPr>
+    <a:lvl4pPr marL="1371600" algn="l" defTabSz="914400" rtl="0" eaLnBrk="1" latinLnBrk="0" hangingPunct="1">
+      <a:defRPr sz="1200" kern="1200">
+        <a:solidFill>
+          <a:schemeClr val="tx1"/>
+        </a:solidFill>
+        <a:latin typeface="+mn-lt"/>
+        <a:ea typeface="+mn-ea"/>
+        <a:cs typeface="+mn-cs"/>
+      </a:defRPr>
+    </a:lvl4pPr>
+    <a:lvl5pPr marL="1828800" algn="l" defTabSz="914400" rtl="0" eaLnBrk="1" latinLnBrk="0" hangingPunct="1">
+      <a:defRPr sz="1200" kern="1200">
+        <a:solidFill>
+          <a:schemeClr val="tx1"/>
+        </a:solidFill>
+        <a:latin typeface="+mn-lt"/>
+        <a:ea typeface="+mn-ea"/>
+        <a:cs typeface="+mn-cs"/>
+      </a:defRPr>
+    </a:lvl5pPr>
+    <a:lvl6pPr marL="2286000" algn="l" defTabSz="914400" rtl="0" eaLnBrk="1" latinLnBrk="0" hangingPunct="1">
+      <a:defRPr sz="1200" kern="1200">
+        <a:solidFill>
+          <a:schemeClr val="tx1"/>
+        </a:solidFill>
+        <a:latin typeface="+mn-lt"/>
+        <a:ea typeface="+mn-ea"/>
+        <a:cs typeface="+mn-cs"/>
+      </a:defRPr>
+    </a:lvl6pPr>
+    <a:lvl7pPr marL="2743200" algn="l" defTabSz="914400" rtl="0" eaLnBrk="1" latinLnBrk="0" hangingPunct="1">
+      <a:defRPr sz="1200" kern="1200">
+        <a:solidFill>
+          <a:schemeClr val="tx1"/>
+        </a:solidFill>
+        <a:latin typeface="+mn-lt"/>
+        <a:ea typeface="+mn-ea"/>
+        <a:cs typeface="+mn-cs"/>
+      </a:defRPr>
+    </a:lvl7pPr>
+    <a:lvl8pPr marL="3200400" algn="l" defTabSz="914400" rtl="0" eaLnBrk="1" latinLnBrk="0" hangingPunct="1">
+      <a:defRPr sz="1200" kern="1200">
+        <a:solidFill>
+          <a:schemeClr val="tx1"/>
+        </a:solidFill>
+        <a:latin typeface="+mn-lt"/>
+        <a:ea typeface="+mn-ea"/>
+        <a:cs typeface="+mn-cs"/>
+      </a:defRPr>
+    </a:lvl8pPr>
+    <a:lvl9pPr marL="3657600" algn="l" defTabSz="914400" rtl="0" eaLnBrk="1" latinLnBrk="0" hangingPunct="1">
+      <a:defRPr sz="1200" kern="1200">
+        <a:solidFill>
+          <a:schemeClr val="tx1"/>
+        </a:solidFill>
+        <a:latin typeface="+mn-lt"/>
+        <a:ea typeface="+mn-ea"/>
+        <a:cs typeface="+mn-cs"/>
+      </a:defRPr>
+    </a:lvl9pPr>
+  </p:notesStyle>
+</p:notesMaster>
+</file>
+
+<file path=ppt/notesSlides/notesSlide1.xml><?xml version="1.0" encoding="utf-8"?>
+<p:notes xmlns:a="http://schemas.openxmlformats.org/drawingml/2006/main" xmlns:r="http://schemas.openxmlformats.org/officeDocument/2006/relationships" xmlns:p="http://schemas.openxmlformats.org/presentationml/2006/main">
+  <p:cSld>
+    <p:spTree>
+      <p:nvGrpSpPr>
+        <p:cNvPr id="1" name=""/>
+        <p:cNvGrpSpPr/>
+        <p:nvPr/>
+      </p:nvGrpSpPr>
+      <p:grpSpPr>
+        <a:xfrm>
+          <a:off x="0" y="0"/>
+          <a:ext cx="0" cy="0"/>
+          <a:chOff x="0" y="0"/>
+          <a:chExt cx="0" cy="0"/>
+        </a:xfrm>
+      </p:grpSpPr>
+      <p:sp>
+        <p:nvSpPr>
+          <p:cNvPr id="2" name="Slide Image Placeholder 1"/>
+          <p:cNvSpPr>
+            <a:spLocks noGrp="1" noRot="1" noChangeAspect="1"/>
+          </p:cNvSpPr>
+          <p:nvPr>
+            <p:ph type="sldImg"/>
+          </p:nvPr>
+        </p:nvSpPr>
+        <p:spPr/>
+      </p:sp>
+      <p:sp>
+        <p:nvSpPr>
+          <p:cNvPr id="3" name="Notes Placeholder 2"/>
+          <p:cNvSpPr>
+            <a:spLocks noGrp="1"/>
+          </p:cNvSpPr>
+          <p:nvPr>
+            <p:ph type="body" idx="1"/>
+          </p:nvPr>
+        </p:nvSpPr>
+        <p:spPr/>
+        <p:txBody>
+          <a:bodyPr/>
+          <a:lstStyle/>
+          <a:p>
+            <a:r>
+              <a:rPr lang="en-US" dirty="0" smtClean="0"/>
+              <a:t>Trey</a:t>
+            </a:r>
+            <a:endParaRPr lang="en-US" dirty="0"/>
+          </a:p>
+        </p:txBody>
+      </p:sp>
+      <p:sp>
+        <p:nvSpPr>
+          <p:cNvPr id="4" name="Slide Number Placeholder 3"/>
+          <p:cNvSpPr>
+            <a:spLocks noGrp="1"/>
+          </p:cNvSpPr>
+          <p:nvPr>
+            <p:ph type="sldNum" sz="quarter" idx="10"/>
+          </p:nvPr>
+        </p:nvSpPr>
+        <p:spPr/>
+        <p:txBody>
+          <a:bodyPr/>
+          <a:lstStyle/>
+          <a:p>
+            <a:fld id="{FD26B717-0AAD-47A2-9830-5A33C56D3F1D}" type="slidenum">
+              <a:rPr lang="en-US" smtClean="0"/>
+              <a:t>1</a:t>
+            </a:fld>
+            <a:endParaRPr lang="en-US"/>
+          </a:p>
+        </p:txBody>
+      </p:sp>
+    </p:spTree>
+    <p:extLst>
+      <p:ext uri="{BB962C8B-B14F-4D97-AF65-F5344CB8AC3E}">
+        <p14:creationId xmlns:p14="http://schemas.microsoft.com/office/powerpoint/2010/main" val="606450026"/>
+      </p:ext>
+    </p:extLst>
+  </p:cSld>
+  <p:clrMapOvr>
+    <a:masterClrMapping/>
+  </p:clrMapOvr>
+</p:notes>
+</file>
+
+<file path=ppt/notesSlides/notesSlide10.xml><?xml version="1.0" encoding="utf-8"?>
+<p:notes xmlns:a="http://schemas.openxmlformats.org/drawingml/2006/main" xmlns:r="http://schemas.openxmlformats.org/officeDocument/2006/relationships" xmlns:p="http://schemas.openxmlformats.org/presentationml/2006/main">
+  <p:cSld>
+    <p:spTree>
+      <p:nvGrpSpPr>
+        <p:cNvPr id="1" name=""/>
+        <p:cNvGrpSpPr/>
+        <p:nvPr/>
+      </p:nvGrpSpPr>
+      <p:grpSpPr>
+        <a:xfrm>
+          <a:off x="0" y="0"/>
+          <a:ext cx="0" cy="0"/>
+          <a:chOff x="0" y="0"/>
+          <a:chExt cx="0" cy="0"/>
+        </a:xfrm>
+      </p:grpSpPr>
+      <p:sp>
+        <p:nvSpPr>
+          <p:cNvPr id="2" name="Slide Image Placeholder 1"/>
+          <p:cNvSpPr>
+            <a:spLocks noGrp="1" noRot="1" noChangeAspect="1"/>
+          </p:cNvSpPr>
+          <p:nvPr>
+            <p:ph type="sldImg"/>
+          </p:nvPr>
+        </p:nvSpPr>
+        <p:spPr/>
+      </p:sp>
+      <p:sp>
+        <p:nvSpPr>
+          <p:cNvPr id="3" name="Notes Placeholder 2"/>
+          <p:cNvSpPr>
+            <a:spLocks noGrp="1"/>
+          </p:cNvSpPr>
+          <p:nvPr>
+            <p:ph type="body" idx="1"/>
+          </p:nvPr>
+        </p:nvSpPr>
+        <p:spPr/>
+        <p:txBody>
+          <a:bodyPr/>
+          <a:lstStyle/>
+          <a:p>
+            <a:r>
+              <a:rPr lang="en-US" dirty="0" err="1" smtClean="0"/>
+              <a:t>Samad</a:t>
+            </a:r>
+            <a:endParaRPr lang="en-US" dirty="0"/>
+          </a:p>
+        </p:txBody>
+      </p:sp>
+      <p:sp>
+        <p:nvSpPr>
+          <p:cNvPr id="4" name="Slide Number Placeholder 3"/>
+          <p:cNvSpPr>
+            <a:spLocks noGrp="1"/>
+          </p:cNvSpPr>
+          <p:nvPr>
+            <p:ph type="sldNum" sz="quarter" idx="10"/>
+          </p:nvPr>
+        </p:nvSpPr>
+        <p:spPr/>
+        <p:txBody>
+          <a:bodyPr/>
+          <a:lstStyle/>
+          <a:p>
+            <a:fld id="{FD26B717-0AAD-47A2-9830-5A33C56D3F1D}" type="slidenum">
+              <a:rPr lang="en-US" smtClean="0"/>
+              <a:t>10</a:t>
+            </a:fld>
+            <a:endParaRPr lang="en-US"/>
+          </a:p>
+        </p:txBody>
+      </p:sp>
+    </p:spTree>
+    <p:extLst>
+      <p:ext uri="{BB962C8B-B14F-4D97-AF65-F5344CB8AC3E}">
+        <p14:creationId xmlns:p14="http://schemas.microsoft.com/office/powerpoint/2010/main" val="3563688765"/>
+      </p:ext>
+    </p:extLst>
+  </p:cSld>
+  <p:clrMapOvr>
+    <a:masterClrMapping/>
+  </p:clrMapOvr>
+</p:notes>
+</file>
+
+<file path=ppt/notesSlides/notesSlide11.xml><?xml version="1.0" encoding="utf-8"?>
+<p:notes xmlns:a="http://schemas.openxmlformats.org/drawingml/2006/main" xmlns:r="http://schemas.openxmlformats.org/officeDocument/2006/relationships" xmlns:p="http://schemas.openxmlformats.org/presentationml/2006/main">
+  <p:cSld>
+    <p:spTree>
+      <p:nvGrpSpPr>
+        <p:cNvPr id="1" name=""/>
+        <p:cNvGrpSpPr/>
+        <p:nvPr/>
+      </p:nvGrpSpPr>
+      <p:grpSpPr>
+        <a:xfrm>
+          <a:off x="0" y="0"/>
+          <a:ext cx="0" cy="0"/>
+          <a:chOff x="0" y="0"/>
+          <a:chExt cx="0" cy="0"/>
+        </a:xfrm>
+      </p:grpSpPr>
+      <p:sp>
+        <p:nvSpPr>
+          <p:cNvPr id="2" name="Slide Image Placeholder 1"/>
+          <p:cNvSpPr>
+            <a:spLocks noGrp="1" noRot="1" noChangeAspect="1"/>
+          </p:cNvSpPr>
+          <p:nvPr>
+            <p:ph type="sldImg"/>
+          </p:nvPr>
+        </p:nvSpPr>
+        <p:spPr/>
+      </p:sp>
+      <p:sp>
+        <p:nvSpPr>
+          <p:cNvPr id="3" name="Notes Placeholder 2"/>
+          <p:cNvSpPr>
+            <a:spLocks noGrp="1"/>
+          </p:cNvSpPr>
+          <p:nvPr>
+            <p:ph type="body" idx="1"/>
+          </p:nvPr>
+        </p:nvSpPr>
+        <p:spPr/>
+        <p:txBody>
+          <a:bodyPr/>
+          <a:lstStyle/>
+          <a:p>
+            <a:r>
+              <a:rPr lang="en-US" dirty="0" err="1" smtClean="0"/>
+              <a:t>Samad</a:t>
+            </a:r>
+            <a:endParaRPr lang="en-US" dirty="0"/>
+          </a:p>
+        </p:txBody>
+      </p:sp>
+      <p:sp>
+        <p:nvSpPr>
+          <p:cNvPr id="4" name="Slide Number Placeholder 3"/>
+          <p:cNvSpPr>
+            <a:spLocks noGrp="1"/>
+          </p:cNvSpPr>
+          <p:nvPr>
+            <p:ph type="sldNum" sz="quarter" idx="10"/>
+          </p:nvPr>
+        </p:nvSpPr>
+        <p:spPr/>
+        <p:txBody>
+          <a:bodyPr/>
+          <a:lstStyle/>
+          <a:p>
+            <a:fld id="{FD26B717-0AAD-47A2-9830-5A33C56D3F1D}" type="slidenum">
+              <a:rPr lang="en-US" smtClean="0"/>
+              <a:t>11</a:t>
+            </a:fld>
+            <a:endParaRPr lang="en-US"/>
+          </a:p>
+        </p:txBody>
+      </p:sp>
+    </p:spTree>
+    <p:extLst>
+      <p:ext uri="{BB962C8B-B14F-4D97-AF65-F5344CB8AC3E}">
+        <p14:creationId xmlns:p14="http://schemas.microsoft.com/office/powerpoint/2010/main" val="1027160672"/>
+      </p:ext>
+    </p:extLst>
+  </p:cSld>
+  <p:clrMapOvr>
+    <a:masterClrMapping/>
+  </p:clrMapOvr>
+</p:notes>
+</file>
+
+<file path=ppt/notesSlides/notesSlide12.xml><?xml version="1.0" encoding="utf-8"?>
+<p:notes xmlns:a="http://schemas.openxmlformats.org/drawingml/2006/main" xmlns:r="http://schemas.openxmlformats.org/officeDocument/2006/relationships" xmlns:p="http://schemas.openxmlformats.org/presentationml/2006/main">
+  <p:cSld>
+    <p:spTree>
+      <p:nvGrpSpPr>
+        <p:cNvPr id="1" name=""/>
+        <p:cNvGrpSpPr/>
+        <p:nvPr/>
+      </p:nvGrpSpPr>
+      <p:grpSpPr>
+        <a:xfrm>
+          <a:off x="0" y="0"/>
+          <a:ext cx="0" cy="0"/>
+          <a:chOff x="0" y="0"/>
+          <a:chExt cx="0" cy="0"/>
+        </a:xfrm>
+      </p:grpSpPr>
+      <p:sp>
+        <p:nvSpPr>
+          <p:cNvPr id="2" name="Slide Image Placeholder 1"/>
+          <p:cNvSpPr>
+            <a:spLocks noGrp="1" noRot="1" noChangeAspect="1"/>
+          </p:cNvSpPr>
+          <p:nvPr>
+            <p:ph type="sldImg"/>
+          </p:nvPr>
+        </p:nvSpPr>
+        <p:spPr/>
+      </p:sp>
+      <p:sp>
+        <p:nvSpPr>
+          <p:cNvPr id="3" name="Notes Placeholder 2"/>
+          <p:cNvSpPr>
+            <a:spLocks noGrp="1"/>
+          </p:cNvSpPr>
+          <p:nvPr>
+            <p:ph type="body" idx="1"/>
+          </p:nvPr>
+        </p:nvSpPr>
+        <p:spPr/>
+        <p:txBody>
+          <a:bodyPr/>
+          <a:lstStyle/>
+          <a:p>
+            <a:r>
+              <a:rPr lang="en-US" dirty="0" err="1" smtClean="0"/>
+              <a:t>Samad</a:t>
+            </a:r>
+            <a:endParaRPr lang="en-US" dirty="0"/>
+          </a:p>
+        </p:txBody>
+      </p:sp>
+      <p:sp>
+        <p:nvSpPr>
+          <p:cNvPr id="4" name="Slide Number Placeholder 3"/>
+          <p:cNvSpPr>
+            <a:spLocks noGrp="1"/>
+          </p:cNvSpPr>
+          <p:nvPr>
+            <p:ph type="sldNum" sz="quarter" idx="10"/>
+          </p:nvPr>
+        </p:nvSpPr>
+        <p:spPr/>
+        <p:txBody>
+          <a:bodyPr/>
+          <a:lstStyle/>
+          <a:p>
+            <a:fld id="{FD26B717-0AAD-47A2-9830-5A33C56D3F1D}" type="slidenum">
+              <a:rPr lang="en-US" smtClean="0"/>
+              <a:t>12</a:t>
+            </a:fld>
+            <a:endParaRPr lang="en-US"/>
+          </a:p>
+        </p:txBody>
+      </p:sp>
+    </p:spTree>
+    <p:extLst>
+      <p:ext uri="{BB962C8B-B14F-4D97-AF65-F5344CB8AC3E}">
+        <p14:creationId xmlns:p14="http://schemas.microsoft.com/office/powerpoint/2010/main" val="215227001"/>
+      </p:ext>
+    </p:extLst>
+  </p:cSld>
+  <p:clrMapOvr>
+    <a:masterClrMapping/>
+  </p:clrMapOvr>
+</p:notes>
+</file>
+
+<file path=ppt/notesSlides/notesSlide13.xml><?xml version="1.0" encoding="utf-8"?>
+<p:notes xmlns:a="http://schemas.openxmlformats.org/drawingml/2006/main" xmlns:r="http://schemas.openxmlformats.org/officeDocument/2006/relationships" xmlns:p="http://schemas.openxmlformats.org/presentationml/2006/main">
+  <p:cSld>
+    <p:spTree>
+      <p:nvGrpSpPr>
+        <p:cNvPr id="1" name=""/>
+        <p:cNvGrpSpPr/>
+        <p:nvPr/>
+      </p:nvGrpSpPr>
+      <p:grpSpPr>
+        <a:xfrm>
+          <a:off x="0" y="0"/>
+          <a:ext cx="0" cy="0"/>
+          <a:chOff x="0" y="0"/>
+          <a:chExt cx="0" cy="0"/>
+        </a:xfrm>
+      </p:grpSpPr>
+      <p:sp>
+        <p:nvSpPr>
+          <p:cNvPr id="2" name="Slide Image Placeholder 1"/>
+          <p:cNvSpPr>
+            <a:spLocks noGrp="1" noRot="1" noChangeAspect="1"/>
+          </p:cNvSpPr>
+          <p:nvPr>
+            <p:ph type="sldImg"/>
+          </p:nvPr>
+        </p:nvSpPr>
+        <p:spPr/>
+      </p:sp>
+      <p:sp>
+        <p:nvSpPr>
+          <p:cNvPr id="3" name="Notes Placeholder 2"/>
+          <p:cNvSpPr>
+            <a:spLocks noGrp="1"/>
+          </p:cNvSpPr>
+          <p:nvPr>
+            <p:ph type="body" idx="1"/>
+          </p:nvPr>
+        </p:nvSpPr>
+        <p:spPr/>
+        <p:txBody>
+          <a:bodyPr/>
+          <a:lstStyle/>
+          <a:p>
+            <a:r>
+              <a:rPr lang="en-US" dirty="0" smtClean="0"/>
+              <a:t>Trey</a:t>
+            </a:r>
+            <a:endParaRPr lang="en-US" dirty="0"/>
+          </a:p>
+        </p:txBody>
+      </p:sp>
+      <p:sp>
+        <p:nvSpPr>
+          <p:cNvPr id="4" name="Slide Number Placeholder 3"/>
+          <p:cNvSpPr>
+            <a:spLocks noGrp="1"/>
+          </p:cNvSpPr>
+          <p:nvPr>
+            <p:ph type="sldNum" sz="quarter" idx="10"/>
+          </p:nvPr>
+        </p:nvSpPr>
+        <p:spPr/>
+        <p:txBody>
+          <a:bodyPr/>
+          <a:lstStyle/>
+          <a:p>
+            <a:fld id="{FD26B717-0AAD-47A2-9830-5A33C56D3F1D}" type="slidenum">
+              <a:rPr lang="en-US" smtClean="0"/>
+              <a:t>13</a:t>
+            </a:fld>
+            <a:endParaRPr lang="en-US"/>
+          </a:p>
+        </p:txBody>
+      </p:sp>
+    </p:spTree>
+    <p:extLst>
+      <p:ext uri="{BB962C8B-B14F-4D97-AF65-F5344CB8AC3E}">
+        <p14:creationId xmlns:p14="http://schemas.microsoft.com/office/powerpoint/2010/main" val="2933197602"/>
+      </p:ext>
+    </p:extLst>
+  </p:cSld>
+  <p:clrMapOvr>
+    <a:masterClrMapping/>
+  </p:clrMapOvr>
+</p:notes>
+</file>
+
+<file path=ppt/notesSlides/notesSlide14.xml><?xml version="1.0" encoding="utf-8"?>
+<p:notes xmlns:a="http://schemas.openxmlformats.org/drawingml/2006/main" xmlns:r="http://schemas.openxmlformats.org/officeDocument/2006/relationships" xmlns:p="http://schemas.openxmlformats.org/presentationml/2006/main">
+  <p:cSld>
+    <p:spTree>
+      <p:nvGrpSpPr>
+        <p:cNvPr id="1" name=""/>
+        <p:cNvGrpSpPr/>
+        <p:nvPr/>
+      </p:nvGrpSpPr>
+      <p:grpSpPr>
+        <a:xfrm>
+          <a:off x="0" y="0"/>
+          <a:ext cx="0" cy="0"/>
+          <a:chOff x="0" y="0"/>
+          <a:chExt cx="0" cy="0"/>
+        </a:xfrm>
+      </p:grpSpPr>
+      <p:sp>
+        <p:nvSpPr>
+          <p:cNvPr id="2" name="Slide Image Placeholder 1"/>
+          <p:cNvSpPr>
+            <a:spLocks noGrp="1" noRot="1" noChangeAspect="1"/>
+          </p:cNvSpPr>
+          <p:nvPr>
+            <p:ph type="sldImg"/>
+          </p:nvPr>
+        </p:nvSpPr>
+        <p:spPr/>
+      </p:sp>
+      <p:sp>
+        <p:nvSpPr>
+          <p:cNvPr id="3" name="Notes Placeholder 2"/>
+          <p:cNvSpPr>
+            <a:spLocks noGrp="1"/>
+          </p:cNvSpPr>
+          <p:nvPr>
+            <p:ph type="body" idx="1"/>
+          </p:nvPr>
+        </p:nvSpPr>
+        <p:spPr/>
+        <p:txBody>
+          <a:bodyPr/>
+          <a:lstStyle/>
+          <a:p>
+            <a:r>
+              <a:rPr lang="en-US" dirty="0" smtClean="0"/>
+              <a:t>Trey</a:t>
+            </a:r>
+            <a:endParaRPr lang="en-US" dirty="0"/>
+          </a:p>
+        </p:txBody>
+      </p:sp>
+      <p:sp>
+        <p:nvSpPr>
+          <p:cNvPr id="4" name="Slide Number Placeholder 3"/>
+          <p:cNvSpPr>
+            <a:spLocks noGrp="1"/>
+          </p:cNvSpPr>
+          <p:nvPr>
+            <p:ph type="sldNum" sz="quarter" idx="10"/>
+          </p:nvPr>
+        </p:nvSpPr>
+        <p:spPr/>
+        <p:txBody>
+          <a:bodyPr/>
+          <a:lstStyle/>
+          <a:p>
+            <a:fld id="{FD26B717-0AAD-47A2-9830-5A33C56D3F1D}" type="slidenum">
+              <a:rPr lang="en-US" smtClean="0"/>
+              <a:t>14</a:t>
+            </a:fld>
+            <a:endParaRPr lang="en-US"/>
+          </a:p>
+        </p:txBody>
+      </p:sp>
+    </p:spTree>
+    <p:extLst>
+      <p:ext uri="{BB962C8B-B14F-4D97-AF65-F5344CB8AC3E}">
+        <p14:creationId xmlns:p14="http://schemas.microsoft.com/office/powerpoint/2010/main" val="1921466989"/>
+      </p:ext>
+    </p:extLst>
+  </p:cSld>
+  <p:clrMapOvr>
+    <a:masterClrMapping/>
+  </p:clrMapOvr>
+</p:notes>
+</file>
+
+<file path=ppt/notesSlides/notesSlide15.xml><?xml version="1.0" encoding="utf-8"?>
+<p:notes xmlns:a="http://schemas.openxmlformats.org/drawingml/2006/main" xmlns:r="http://schemas.openxmlformats.org/officeDocument/2006/relationships" xmlns:p="http://schemas.openxmlformats.org/presentationml/2006/main">
+  <p:cSld>
+    <p:spTree>
+      <p:nvGrpSpPr>
+        <p:cNvPr id="1" name=""/>
+        <p:cNvGrpSpPr/>
+        <p:nvPr/>
+      </p:nvGrpSpPr>
+      <p:grpSpPr>
+        <a:xfrm>
+          <a:off x="0" y="0"/>
+          <a:ext cx="0" cy="0"/>
+          <a:chOff x="0" y="0"/>
+          <a:chExt cx="0" cy="0"/>
+        </a:xfrm>
+      </p:grpSpPr>
+      <p:sp>
+        <p:nvSpPr>
+          <p:cNvPr id="2" name="Slide Image Placeholder 1"/>
+          <p:cNvSpPr>
+            <a:spLocks noGrp="1" noRot="1" noChangeAspect="1"/>
+          </p:cNvSpPr>
+          <p:nvPr>
+            <p:ph type="sldImg"/>
+          </p:nvPr>
+        </p:nvSpPr>
+        <p:spPr/>
+      </p:sp>
+      <p:sp>
+        <p:nvSpPr>
+          <p:cNvPr id="3" name="Notes Placeholder 2"/>
+          <p:cNvSpPr>
+            <a:spLocks noGrp="1"/>
+          </p:cNvSpPr>
+          <p:nvPr>
+            <p:ph type="body" idx="1"/>
+          </p:nvPr>
+        </p:nvSpPr>
+        <p:spPr/>
+        <p:txBody>
+          <a:bodyPr/>
+          <a:lstStyle/>
+          <a:p>
+            <a:r>
+              <a:rPr lang="en-US" dirty="0" smtClean="0"/>
+              <a:t>All</a:t>
+            </a:r>
+            <a:endParaRPr lang="en-US" dirty="0"/>
+          </a:p>
+        </p:txBody>
+      </p:sp>
+      <p:sp>
+        <p:nvSpPr>
+          <p:cNvPr id="4" name="Slide Number Placeholder 3"/>
+          <p:cNvSpPr>
+            <a:spLocks noGrp="1"/>
+          </p:cNvSpPr>
+          <p:nvPr>
+            <p:ph type="sldNum" sz="quarter" idx="10"/>
+          </p:nvPr>
+        </p:nvSpPr>
+        <p:spPr/>
+        <p:txBody>
+          <a:bodyPr/>
+          <a:lstStyle/>
+          <a:p>
+            <a:fld id="{FD26B717-0AAD-47A2-9830-5A33C56D3F1D}" type="slidenum">
+              <a:rPr lang="en-US" smtClean="0"/>
+              <a:t>15</a:t>
+            </a:fld>
+            <a:endParaRPr lang="en-US"/>
+          </a:p>
+        </p:txBody>
+      </p:sp>
+    </p:spTree>
+    <p:extLst>
+      <p:ext uri="{BB962C8B-B14F-4D97-AF65-F5344CB8AC3E}">
+        <p14:creationId xmlns:p14="http://schemas.microsoft.com/office/powerpoint/2010/main" val="73812178"/>
+      </p:ext>
+    </p:extLst>
+  </p:cSld>
+  <p:clrMapOvr>
+    <a:masterClrMapping/>
+  </p:clrMapOvr>
+</p:notes>
+</file>
+
+<file path=ppt/notesSlides/notesSlide2.xml><?xml version="1.0" encoding="utf-8"?>
+<p:notes xmlns:a="http://schemas.openxmlformats.org/drawingml/2006/main" xmlns:r="http://schemas.openxmlformats.org/officeDocument/2006/relationships" xmlns:p="http://schemas.openxmlformats.org/presentationml/2006/main">
+  <p:cSld>
+    <p:spTree>
+      <p:nvGrpSpPr>
+        <p:cNvPr id="1" name=""/>
+        <p:cNvGrpSpPr/>
+        <p:nvPr/>
+      </p:nvGrpSpPr>
+      <p:grpSpPr>
+        <a:xfrm>
+          <a:off x="0" y="0"/>
+          <a:ext cx="0" cy="0"/>
+          <a:chOff x="0" y="0"/>
+          <a:chExt cx="0" cy="0"/>
+        </a:xfrm>
+      </p:grpSpPr>
+      <p:sp>
+        <p:nvSpPr>
+          <p:cNvPr id="2" name="Slide Image Placeholder 1"/>
+          <p:cNvSpPr>
+            <a:spLocks noGrp="1" noRot="1" noChangeAspect="1"/>
+          </p:cNvSpPr>
+          <p:nvPr>
+            <p:ph type="sldImg"/>
+          </p:nvPr>
+        </p:nvSpPr>
+        <p:spPr/>
+      </p:sp>
+      <p:sp>
+        <p:nvSpPr>
+          <p:cNvPr id="3" name="Notes Placeholder 2"/>
+          <p:cNvSpPr>
+            <a:spLocks noGrp="1"/>
+          </p:cNvSpPr>
+          <p:nvPr>
+            <p:ph type="body" idx="1"/>
+          </p:nvPr>
+        </p:nvSpPr>
+        <p:spPr/>
+        <p:txBody>
+          <a:bodyPr/>
+          <a:lstStyle/>
+          <a:p>
+            <a:r>
+              <a:rPr lang="en-US" dirty="0" smtClean="0"/>
+              <a:t>Trey</a:t>
+            </a:r>
+            <a:endParaRPr lang="en-US" dirty="0"/>
+          </a:p>
+        </p:txBody>
+      </p:sp>
+      <p:sp>
+        <p:nvSpPr>
+          <p:cNvPr id="4" name="Slide Number Placeholder 3"/>
+          <p:cNvSpPr>
+            <a:spLocks noGrp="1"/>
+          </p:cNvSpPr>
+          <p:nvPr>
+            <p:ph type="sldNum" sz="quarter" idx="10"/>
+          </p:nvPr>
+        </p:nvSpPr>
+        <p:spPr/>
+        <p:txBody>
+          <a:bodyPr/>
+          <a:lstStyle/>
+          <a:p>
+            <a:fld id="{FD26B717-0AAD-47A2-9830-5A33C56D3F1D}" type="slidenum">
+              <a:rPr lang="en-US" smtClean="0"/>
+              <a:t>2</a:t>
+            </a:fld>
+            <a:endParaRPr lang="en-US"/>
+          </a:p>
+        </p:txBody>
+      </p:sp>
+    </p:spTree>
+    <p:extLst>
+      <p:ext uri="{BB962C8B-B14F-4D97-AF65-F5344CB8AC3E}">
+        <p14:creationId xmlns:p14="http://schemas.microsoft.com/office/powerpoint/2010/main" val="85565319"/>
+      </p:ext>
+    </p:extLst>
+  </p:cSld>
+  <p:clrMapOvr>
+    <a:masterClrMapping/>
+  </p:clrMapOvr>
+</p:notes>
+</file>
+
+<file path=ppt/notesSlides/notesSlide3.xml><?xml version="1.0" encoding="utf-8"?>
+<p:notes xmlns:a="http://schemas.openxmlformats.org/drawingml/2006/main" xmlns:r="http://schemas.openxmlformats.org/officeDocument/2006/relationships" xmlns:p="http://schemas.openxmlformats.org/presentationml/2006/main">
+  <p:cSld>
+    <p:spTree>
+      <p:nvGrpSpPr>
+        <p:cNvPr id="1" name=""/>
+        <p:cNvGrpSpPr/>
+        <p:nvPr/>
+      </p:nvGrpSpPr>
+      <p:grpSpPr>
+        <a:xfrm>
+          <a:off x="0" y="0"/>
+          <a:ext cx="0" cy="0"/>
+          <a:chOff x="0" y="0"/>
+          <a:chExt cx="0" cy="0"/>
+        </a:xfrm>
+      </p:grpSpPr>
+      <p:sp>
+        <p:nvSpPr>
+          <p:cNvPr id="2" name="Slide Image Placeholder 1"/>
+          <p:cNvSpPr>
+            <a:spLocks noGrp="1" noRot="1" noChangeAspect="1"/>
+          </p:cNvSpPr>
+          <p:nvPr>
+            <p:ph type="sldImg"/>
+          </p:nvPr>
+        </p:nvSpPr>
+        <p:spPr/>
+      </p:sp>
+      <p:sp>
+        <p:nvSpPr>
+          <p:cNvPr id="3" name="Notes Placeholder 2"/>
+          <p:cNvSpPr>
+            <a:spLocks noGrp="1"/>
+          </p:cNvSpPr>
+          <p:nvPr>
+            <p:ph type="body" idx="1"/>
+          </p:nvPr>
+        </p:nvSpPr>
+        <p:spPr/>
+        <p:txBody>
+          <a:bodyPr/>
+          <a:lstStyle/>
+          <a:p>
+            <a:r>
+              <a:rPr lang="en-US" dirty="0" smtClean="0"/>
+              <a:t>Chris</a:t>
+            </a:r>
+            <a:endParaRPr lang="en-US" dirty="0"/>
+          </a:p>
+        </p:txBody>
+      </p:sp>
+      <p:sp>
+        <p:nvSpPr>
+          <p:cNvPr id="4" name="Slide Number Placeholder 3"/>
+          <p:cNvSpPr>
+            <a:spLocks noGrp="1"/>
+          </p:cNvSpPr>
+          <p:nvPr>
+            <p:ph type="sldNum" sz="quarter" idx="10"/>
+          </p:nvPr>
+        </p:nvSpPr>
+        <p:spPr/>
+        <p:txBody>
+          <a:bodyPr/>
+          <a:lstStyle/>
+          <a:p>
+            <a:fld id="{FD26B717-0AAD-47A2-9830-5A33C56D3F1D}" type="slidenum">
+              <a:rPr lang="en-US" smtClean="0"/>
+              <a:t>3</a:t>
+            </a:fld>
+            <a:endParaRPr lang="en-US"/>
+          </a:p>
+        </p:txBody>
+      </p:sp>
+    </p:spTree>
+    <p:extLst>
+      <p:ext uri="{BB962C8B-B14F-4D97-AF65-F5344CB8AC3E}">
+        <p14:creationId xmlns:p14="http://schemas.microsoft.com/office/powerpoint/2010/main" val="1623198740"/>
+      </p:ext>
+    </p:extLst>
+  </p:cSld>
+  <p:clrMapOvr>
+    <a:masterClrMapping/>
+  </p:clrMapOvr>
+</p:notes>
+</file>
+
+<file path=ppt/notesSlides/notesSlide4.xml><?xml version="1.0" encoding="utf-8"?>
+<p:notes xmlns:a="http://schemas.openxmlformats.org/drawingml/2006/main" xmlns:r="http://schemas.openxmlformats.org/officeDocument/2006/relationships" xmlns:p="http://schemas.openxmlformats.org/presentationml/2006/main">
+  <p:cSld>
+    <p:spTree>
+      <p:nvGrpSpPr>
+        <p:cNvPr id="1" name=""/>
+        <p:cNvGrpSpPr/>
+        <p:nvPr/>
+      </p:nvGrpSpPr>
+      <p:grpSpPr>
+        <a:xfrm>
+          <a:off x="0" y="0"/>
+          <a:ext cx="0" cy="0"/>
+          <a:chOff x="0" y="0"/>
+          <a:chExt cx="0" cy="0"/>
+        </a:xfrm>
+      </p:grpSpPr>
+      <p:sp>
+        <p:nvSpPr>
+          <p:cNvPr id="2" name="Slide Image Placeholder 1"/>
+          <p:cNvSpPr>
+            <a:spLocks noGrp="1" noRot="1" noChangeAspect="1"/>
+          </p:cNvSpPr>
+          <p:nvPr>
+            <p:ph type="sldImg"/>
+          </p:nvPr>
+        </p:nvSpPr>
+        <p:spPr/>
+      </p:sp>
+      <p:sp>
+        <p:nvSpPr>
+          <p:cNvPr id="3" name="Notes Placeholder 2"/>
+          <p:cNvSpPr>
+            <a:spLocks noGrp="1"/>
+          </p:cNvSpPr>
+          <p:nvPr>
+            <p:ph type="body" idx="1"/>
+          </p:nvPr>
+        </p:nvSpPr>
+        <p:spPr/>
+        <p:txBody>
+          <a:bodyPr/>
+          <a:lstStyle/>
+          <a:p>
+            <a:r>
+              <a:rPr lang="en-US" dirty="0" smtClean="0"/>
+              <a:t>Chris</a:t>
+            </a:r>
+            <a:endParaRPr lang="en-US" dirty="0"/>
+          </a:p>
+        </p:txBody>
+      </p:sp>
+      <p:sp>
+        <p:nvSpPr>
+          <p:cNvPr id="4" name="Slide Number Placeholder 3"/>
+          <p:cNvSpPr>
+            <a:spLocks noGrp="1"/>
+          </p:cNvSpPr>
+          <p:nvPr>
+            <p:ph type="sldNum" sz="quarter" idx="10"/>
+          </p:nvPr>
+        </p:nvSpPr>
+        <p:spPr/>
+        <p:txBody>
+          <a:bodyPr/>
+          <a:lstStyle/>
+          <a:p>
+            <a:fld id="{FD26B717-0AAD-47A2-9830-5A33C56D3F1D}" type="slidenum">
+              <a:rPr lang="en-US" smtClean="0"/>
+              <a:t>4</a:t>
+            </a:fld>
+            <a:endParaRPr lang="en-US"/>
+          </a:p>
+        </p:txBody>
+      </p:sp>
+    </p:spTree>
+    <p:extLst>
+      <p:ext uri="{BB962C8B-B14F-4D97-AF65-F5344CB8AC3E}">
+        <p14:creationId xmlns:p14="http://schemas.microsoft.com/office/powerpoint/2010/main" val="4123170506"/>
+      </p:ext>
+    </p:extLst>
+  </p:cSld>
+  <p:clrMapOvr>
+    <a:masterClrMapping/>
+  </p:clrMapOvr>
+</p:notes>
+</file>
+
+<file path=ppt/notesSlides/notesSlide5.xml><?xml version="1.0" encoding="utf-8"?>
+<p:notes xmlns:a="http://schemas.openxmlformats.org/drawingml/2006/main" xmlns:r="http://schemas.openxmlformats.org/officeDocument/2006/relationships" xmlns:p="http://schemas.openxmlformats.org/presentationml/2006/main">
+  <p:cSld>
+    <p:spTree>
+      <p:nvGrpSpPr>
+        <p:cNvPr id="1" name=""/>
+        <p:cNvGrpSpPr/>
+        <p:nvPr/>
+      </p:nvGrpSpPr>
+      <p:grpSpPr>
+        <a:xfrm>
+          <a:off x="0" y="0"/>
+          <a:ext cx="0" cy="0"/>
+          <a:chOff x="0" y="0"/>
+          <a:chExt cx="0" cy="0"/>
+        </a:xfrm>
+      </p:grpSpPr>
+      <p:sp>
+        <p:nvSpPr>
+          <p:cNvPr id="2" name="Slide Image Placeholder 1"/>
+          <p:cNvSpPr>
+            <a:spLocks noGrp="1" noRot="1" noChangeAspect="1"/>
+          </p:cNvSpPr>
+          <p:nvPr>
+            <p:ph type="sldImg"/>
+          </p:nvPr>
+        </p:nvSpPr>
+        <p:spPr/>
+      </p:sp>
+      <p:sp>
+        <p:nvSpPr>
+          <p:cNvPr id="3" name="Notes Placeholder 2"/>
+          <p:cNvSpPr>
+            <a:spLocks noGrp="1"/>
+          </p:cNvSpPr>
+          <p:nvPr>
+            <p:ph type="body" idx="1"/>
+          </p:nvPr>
+        </p:nvSpPr>
+        <p:spPr/>
+        <p:txBody>
+          <a:bodyPr/>
+          <a:lstStyle/>
+          <a:p>
+            <a:r>
+              <a:rPr lang="en-US" dirty="0" smtClean="0"/>
+              <a:t>Chris</a:t>
+            </a:r>
+            <a:endParaRPr lang="en-US" dirty="0"/>
+          </a:p>
+        </p:txBody>
+      </p:sp>
+      <p:sp>
+        <p:nvSpPr>
+          <p:cNvPr id="4" name="Slide Number Placeholder 3"/>
+          <p:cNvSpPr>
+            <a:spLocks noGrp="1"/>
+          </p:cNvSpPr>
+          <p:nvPr>
+            <p:ph type="sldNum" sz="quarter" idx="10"/>
+          </p:nvPr>
+        </p:nvSpPr>
+        <p:spPr/>
+        <p:txBody>
+          <a:bodyPr/>
+          <a:lstStyle/>
+          <a:p>
+            <a:fld id="{FD26B717-0AAD-47A2-9830-5A33C56D3F1D}" type="slidenum">
+              <a:rPr lang="en-US" smtClean="0"/>
+              <a:t>5</a:t>
+            </a:fld>
+            <a:endParaRPr lang="en-US"/>
+          </a:p>
+        </p:txBody>
+      </p:sp>
+    </p:spTree>
+    <p:extLst>
+      <p:ext uri="{BB962C8B-B14F-4D97-AF65-F5344CB8AC3E}">
+        <p14:creationId xmlns:p14="http://schemas.microsoft.com/office/powerpoint/2010/main" val="2774192762"/>
+      </p:ext>
+    </p:extLst>
+  </p:cSld>
+  <p:clrMapOvr>
+    <a:masterClrMapping/>
+  </p:clrMapOvr>
+</p:notes>
+</file>
+
+<file path=ppt/notesSlides/notesSlide6.xml><?xml version="1.0" encoding="utf-8"?>
+<p:notes xmlns:a="http://schemas.openxmlformats.org/drawingml/2006/main" xmlns:r="http://schemas.openxmlformats.org/officeDocument/2006/relationships" xmlns:p="http://schemas.openxmlformats.org/presentationml/2006/main">
+  <p:cSld>
+    <p:spTree>
+      <p:nvGrpSpPr>
+        <p:cNvPr id="1" name=""/>
+        <p:cNvGrpSpPr/>
+        <p:nvPr/>
+      </p:nvGrpSpPr>
+      <p:grpSpPr>
+        <a:xfrm>
+          <a:off x="0" y="0"/>
+          <a:ext cx="0" cy="0"/>
+          <a:chOff x="0" y="0"/>
+          <a:chExt cx="0" cy="0"/>
+        </a:xfrm>
+      </p:grpSpPr>
+      <p:sp>
+        <p:nvSpPr>
+          <p:cNvPr id="2" name="Slide Image Placeholder 1"/>
+          <p:cNvSpPr>
+            <a:spLocks noGrp="1" noRot="1" noChangeAspect="1"/>
+          </p:cNvSpPr>
+          <p:nvPr>
+            <p:ph type="sldImg"/>
+          </p:nvPr>
+        </p:nvSpPr>
+        <p:spPr/>
+      </p:sp>
+      <p:sp>
+        <p:nvSpPr>
+          <p:cNvPr id="3" name="Notes Placeholder 2"/>
+          <p:cNvSpPr>
+            <a:spLocks noGrp="1"/>
+          </p:cNvSpPr>
+          <p:nvPr>
+            <p:ph type="body" idx="1"/>
+          </p:nvPr>
+        </p:nvSpPr>
+        <p:spPr/>
+        <p:txBody>
+          <a:bodyPr/>
+          <a:lstStyle/>
+          <a:p>
+            <a:r>
+              <a:rPr lang="en-US" dirty="0" smtClean="0"/>
+              <a:t>Kevin</a:t>
+            </a:r>
+            <a:endParaRPr lang="en-US" dirty="0"/>
+          </a:p>
+        </p:txBody>
+      </p:sp>
+      <p:sp>
+        <p:nvSpPr>
+          <p:cNvPr id="4" name="Slide Number Placeholder 3"/>
+          <p:cNvSpPr>
+            <a:spLocks noGrp="1"/>
+          </p:cNvSpPr>
+          <p:nvPr>
+            <p:ph type="sldNum" sz="quarter" idx="10"/>
+          </p:nvPr>
+        </p:nvSpPr>
+        <p:spPr/>
+        <p:txBody>
+          <a:bodyPr/>
+          <a:lstStyle/>
+          <a:p>
+            <a:fld id="{FD26B717-0AAD-47A2-9830-5A33C56D3F1D}" type="slidenum">
+              <a:rPr lang="en-US" smtClean="0"/>
+              <a:t>6</a:t>
+            </a:fld>
+            <a:endParaRPr lang="en-US"/>
+          </a:p>
+        </p:txBody>
+      </p:sp>
+    </p:spTree>
+    <p:extLst>
+      <p:ext uri="{BB962C8B-B14F-4D97-AF65-F5344CB8AC3E}">
+        <p14:creationId xmlns:p14="http://schemas.microsoft.com/office/powerpoint/2010/main" val="3019086209"/>
+      </p:ext>
+    </p:extLst>
+  </p:cSld>
+  <p:clrMapOvr>
+    <a:masterClrMapping/>
+  </p:clrMapOvr>
+</p:notes>
+</file>
+
+<file path=ppt/notesSlides/notesSlide7.xml><?xml version="1.0" encoding="utf-8"?>
+<p:notes xmlns:a="http://schemas.openxmlformats.org/drawingml/2006/main" xmlns:r="http://schemas.openxmlformats.org/officeDocument/2006/relationships" xmlns:p="http://schemas.openxmlformats.org/presentationml/2006/main">
+  <p:cSld>
+    <p:spTree>
+      <p:nvGrpSpPr>
+        <p:cNvPr id="1" name=""/>
+        <p:cNvGrpSpPr/>
+        <p:nvPr/>
+      </p:nvGrpSpPr>
+      <p:grpSpPr>
+        <a:xfrm>
+          <a:off x="0" y="0"/>
+          <a:ext cx="0" cy="0"/>
+          <a:chOff x="0" y="0"/>
+          <a:chExt cx="0" cy="0"/>
+        </a:xfrm>
+      </p:grpSpPr>
+      <p:sp>
+        <p:nvSpPr>
+          <p:cNvPr id="2" name="Slide Image Placeholder 1"/>
+          <p:cNvSpPr>
+            <a:spLocks noGrp="1" noRot="1" noChangeAspect="1"/>
+          </p:cNvSpPr>
+          <p:nvPr>
+            <p:ph type="sldImg"/>
+          </p:nvPr>
+        </p:nvSpPr>
+        <p:spPr/>
+      </p:sp>
+      <p:sp>
+        <p:nvSpPr>
+          <p:cNvPr id="3" name="Notes Placeholder 2"/>
+          <p:cNvSpPr>
+            <a:spLocks noGrp="1"/>
+          </p:cNvSpPr>
+          <p:nvPr>
+            <p:ph type="body" idx="1"/>
+          </p:nvPr>
+        </p:nvSpPr>
+        <p:spPr/>
+        <p:txBody>
+          <a:bodyPr/>
+          <a:lstStyle/>
+          <a:p>
+            <a:r>
+              <a:rPr lang="en-US" dirty="0" smtClean="0"/>
+              <a:t>Kevin</a:t>
+            </a:r>
+            <a:endParaRPr lang="en-US" dirty="0"/>
+          </a:p>
+        </p:txBody>
+      </p:sp>
+      <p:sp>
+        <p:nvSpPr>
+          <p:cNvPr id="4" name="Slide Number Placeholder 3"/>
+          <p:cNvSpPr>
+            <a:spLocks noGrp="1"/>
+          </p:cNvSpPr>
+          <p:nvPr>
+            <p:ph type="sldNum" sz="quarter" idx="10"/>
+          </p:nvPr>
+        </p:nvSpPr>
+        <p:spPr/>
+        <p:txBody>
+          <a:bodyPr/>
+          <a:lstStyle/>
+          <a:p>
+            <a:fld id="{FD26B717-0AAD-47A2-9830-5A33C56D3F1D}" type="slidenum">
+              <a:rPr lang="en-US" smtClean="0"/>
+              <a:t>7</a:t>
+            </a:fld>
+            <a:endParaRPr lang="en-US"/>
+          </a:p>
+        </p:txBody>
+      </p:sp>
+    </p:spTree>
+    <p:extLst>
+      <p:ext uri="{BB962C8B-B14F-4D97-AF65-F5344CB8AC3E}">
+        <p14:creationId xmlns:p14="http://schemas.microsoft.com/office/powerpoint/2010/main" val="797059222"/>
+      </p:ext>
+    </p:extLst>
+  </p:cSld>
+  <p:clrMapOvr>
+    <a:masterClrMapping/>
+  </p:clrMapOvr>
+</p:notes>
+</file>
+
+<file path=ppt/notesSlides/notesSlide8.xml><?xml version="1.0" encoding="utf-8"?>
+<p:notes xmlns:a="http://schemas.openxmlformats.org/drawingml/2006/main" xmlns:r="http://schemas.openxmlformats.org/officeDocument/2006/relationships" xmlns:p="http://schemas.openxmlformats.org/presentationml/2006/main">
+  <p:cSld>
+    <p:spTree>
+      <p:nvGrpSpPr>
+        <p:cNvPr id="1" name=""/>
+        <p:cNvGrpSpPr/>
+        <p:nvPr/>
+      </p:nvGrpSpPr>
+      <p:grpSpPr>
+        <a:xfrm>
+          <a:off x="0" y="0"/>
+          <a:ext cx="0" cy="0"/>
+          <a:chOff x="0" y="0"/>
+          <a:chExt cx="0" cy="0"/>
+        </a:xfrm>
+      </p:grpSpPr>
+      <p:sp>
+        <p:nvSpPr>
+          <p:cNvPr id="2" name="Slide Image Placeholder 1"/>
+          <p:cNvSpPr>
+            <a:spLocks noGrp="1" noRot="1" noChangeAspect="1"/>
+          </p:cNvSpPr>
+          <p:nvPr>
+            <p:ph type="sldImg"/>
+          </p:nvPr>
+        </p:nvSpPr>
+        <p:spPr/>
+      </p:sp>
+      <p:sp>
+        <p:nvSpPr>
+          <p:cNvPr id="3" name="Notes Placeholder 2"/>
+          <p:cNvSpPr>
+            <a:spLocks noGrp="1"/>
+          </p:cNvSpPr>
+          <p:nvPr>
+            <p:ph type="body" idx="1"/>
+          </p:nvPr>
+        </p:nvSpPr>
+        <p:spPr/>
+        <p:txBody>
+          <a:bodyPr/>
+          <a:lstStyle/>
+          <a:p>
+            <a:r>
+              <a:rPr lang="en-US" dirty="0" smtClean="0"/>
+              <a:t>Kevin</a:t>
+            </a:r>
+            <a:endParaRPr lang="en-US" dirty="0"/>
+          </a:p>
+        </p:txBody>
+      </p:sp>
+      <p:sp>
+        <p:nvSpPr>
+          <p:cNvPr id="4" name="Slide Number Placeholder 3"/>
+          <p:cNvSpPr>
+            <a:spLocks noGrp="1"/>
+          </p:cNvSpPr>
+          <p:nvPr>
+            <p:ph type="sldNum" sz="quarter" idx="10"/>
+          </p:nvPr>
+        </p:nvSpPr>
+        <p:spPr/>
+        <p:txBody>
+          <a:bodyPr/>
+          <a:lstStyle/>
+          <a:p>
+            <a:fld id="{FD26B717-0AAD-47A2-9830-5A33C56D3F1D}" type="slidenum">
+              <a:rPr lang="en-US" smtClean="0"/>
+              <a:t>8</a:t>
+            </a:fld>
+            <a:endParaRPr lang="en-US"/>
+          </a:p>
+        </p:txBody>
+      </p:sp>
+    </p:spTree>
+    <p:extLst>
+      <p:ext uri="{BB962C8B-B14F-4D97-AF65-F5344CB8AC3E}">
+        <p14:creationId xmlns:p14="http://schemas.microsoft.com/office/powerpoint/2010/main" val="2394834596"/>
+      </p:ext>
+    </p:extLst>
+  </p:cSld>
+  <p:clrMapOvr>
+    <a:masterClrMapping/>
+  </p:clrMapOvr>
+</p:notes>
+</file>
+
+<file path=ppt/notesSlides/notesSlide9.xml><?xml version="1.0" encoding="utf-8"?>
+<p:notes xmlns:a="http://schemas.openxmlformats.org/drawingml/2006/main" xmlns:r="http://schemas.openxmlformats.org/officeDocument/2006/relationships" xmlns:p="http://schemas.openxmlformats.org/presentationml/2006/main">
+  <p:cSld>
+    <p:spTree>
+      <p:nvGrpSpPr>
+        <p:cNvPr id="1" name=""/>
+        <p:cNvGrpSpPr/>
+        <p:nvPr/>
+      </p:nvGrpSpPr>
+      <p:grpSpPr>
+        <a:xfrm>
+          <a:off x="0" y="0"/>
+          <a:ext cx="0" cy="0"/>
+          <a:chOff x="0" y="0"/>
+          <a:chExt cx="0" cy="0"/>
+        </a:xfrm>
+      </p:grpSpPr>
+      <p:sp>
+        <p:nvSpPr>
+          <p:cNvPr id="2" name="Slide Image Placeholder 1"/>
+          <p:cNvSpPr>
+            <a:spLocks noGrp="1" noRot="1" noChangeAspect="1"/>
+          </p:cNvSpPr>
+          <p:nvPr>
+            <p:ph type="sldImg"/>
+          </p:nvPr>
+        </p:nvSpPr>
+        <p:spPr/>
+      </p:sp>
+      <p:sp>
+        <p:nvSpPr>
+          <p:cNvPr id="3" name="Notes Placeholder 2"/>
+          <p:cNvSpPr>
+            <a:spLocks noGrp="1"/>
+          </p:cNvSpPr>
+          <p:nvPr>
+            <p:ph type="body" idx="1"/>
+          </p:nvPr>
+        </p:nvSpPr>
+        <p:spPr/>
+        <p:txBody>
+          <a:bodyPr/>
+          <a:lstStyle/>
+          <a:p>
+            <a:r>
+              <a:rPr lang="en-US" dirty="0" err="1" smtClean="0"/>
+              <a:t>Samad</a:t>
+            </a:r>
+            <a:endParaRPr lang="en-US" dirty="0"/>
+          </a:p>
+        </p:txBody>
+      </p:sp>
+      <p:sp>
+        <p:nvSpPr>
+          <p:cNvPr id="4" name="Slide Number Placeholder 3"/>
+          <p:cNvSpPr>
+            <a:spLocks noGrp="1"/>
+          </p:cNvSpPr>
+          <p:nvPr>
+            <p:ph type="sldNum" sz="quarter" idx="10"/>
+          </p:nvPr>
+        </p:nvSpPr>
+        <p:spPr/>
+        <p:txBody>
+          <a:bodyPr/>
+          <a:lstStyle/>
+          <a:p>
+            <a:fld id="{FD26B717-0AAD-47A2-9830-5A33C56D3F1D}" type="slidenum">
+              <a:rPr lang="en-US" smtClean="0"/>
+              <a:t>9</a:t>
+            </a:fld>
+            <a:endParaRPr lang="en-US"/>
+          </a:p>
+        </p:txBody>
+      </p:sp>
+    </p:spTree>
+    <p:extLst>
+      <p:ext uri="{BB962C8B-B14F-4D97-AF65-F5344CB8AC3E}">
+        <p14:creationId xmlns:p14="http://schemas.microsoft.com/office/powerpoint/2010/main" val="3684572649"/>
+      </p:ext>
+    </p:extLst>
+  </p:cSld>
+  <p:clrMapOvr>
+    <a:masterClrMapping/>
+  </p:clrMapOvr>
+</p:notes>
 </file>
 
 <file path=ppt/slideLayouts/slideLayout1.xml><?xml version="1.0" encoding="utf-8"?>
@@ -14663,7 +16336,7 @@
           <p:nvPr/>
         </p:nvPicPr>
         <p:blipFill>
-          <a:blip r:embed="rId2">
+          <a:blip r:embed="rId3">
             <a:extLst>
               <a:ext uri="{28A0092B-C50C-407E-A947-70E740481C1C}">
                 <a14:useLocalDpi xmlns:a14="http://schemas.microsoft.com/office/drawing/2010/main" val="0"/>
@@ -14743,7 +16416,7 @@
           </p:nvPr>
         </p:nvPicPr>
         <p:blipFill>
-          <a:blip r:embed="rId2" cstate="print">
+          <a:blip r:embed="rId3" cstate="print">
             <a:extLst>
               <a:ext uri="{28A0092B-C50C-407E-A947-70E740481C1C}">
                 <a14:useLocalDpi xmlns:a14="http://schemas.microsoft.com/office/drawing/2010/main" val="0"/>
@@ -14832,7 +16505,7 @@
           </p:nvPr>
         </p:nvPicPr>
         <p:blipFill>
-          <a:blip r:embed="rId2" cstate="print">
+          <a:blip r:embed="rId3" cstate="print">
             <a:extLst>
               <a:ext uri="{28A0092B-C50C-407E-A947-70E740481C1C}">
                 <a14:useLocalDpi xmlns:a14="http://schemas.microsoft.com/office/drawing/2010/main" val="0"/>
@@ -15022,15 +16695,7 @@
             </a:r>
             <a:r>
               <a:rPr lang="en-US" dirty="0" smtClean="0"/>
-              <a:t> Issues </a:t>
-            </a:r>
-            <a:r>
-              <a:rPr lang="en-US" dirty="0" smtClean="0"/>
-              <a:t>(source control issues</a:t>
-            </a:r>
-            <a:r>
-              <a:rPr lang="en-US" dirty="0" smtClean="0"/>
-              <a:t>)</a:t>
+              <a:t> Issues (source control issues)</a:t>
             </a:r>
           </a:p>
           <a:p>
@@ -15574,11 +17239,7 @@
           <a:p>
             <a:r>
               <a:rPr lang="en-US" dirty="0" smtClean="0"/>
-              <a:t>Better </a:t>
-            </a:r>
-            <a:r>
-              <a:rPr lang="en-US" dirty="0" smtClean="0"/>
-              <a:t>understand how a user would use the system</a:t>
+              <a:t>Better understand how a user would use the system</a:t>
             </a:r>
             <a:endParaRPr lang="en-US" dirty="0"/>
           </a:p>
@@ -15661,15 +17322,7 @@
           <a:p>
             <a:r>
               <a:rPr lang="en-US" dirty="0" smtClean="0"/>
-              <a:t>Main Page/Log In (</a:t>
-            </a:r>
-            <a:r>
-              <a:rPr lang="en-US" dirty="0" smtClean="0"/>
-              <a:t>Avg. </a:t>
-            </a:r>
-            <a:r>
-              <a:rPr lang="en-US" dirty="0" smtClean="0"/>
-              <a:t>Score 3.2)</a:t>
+              <a:t>Main Page/Log In (Avg. Score 3.2)</a:t>
             </a:r>
           </a:p>
           <a:p>
@@ -15680,15 +17333,7 @@
             </a:r>
             <a:r>
               <a:rPr lang="en-US" dirty="0" smtClean="0"/>
-              <a:t>Simple, </a:t>
-            </a:r>
-            <a:r>
-              <a:rPr lang="en-US" dirty="0" smtClean="0"/>
-              <a:t>clean</a:t>
-            </a:r>
-            <a:r>
-              <a:rPr lang="en-US" dirty="0" smtClean="0"/>
-              <a:t>, and straightforward</a:t>
+              <a:t>Simple, clean, and straightforward</a:t>
             </a:r>
           </a:p>
           <a:p>
@@ -15702,45 +17347,21 @@
           <a:p>
             <a:r>
               <a:rPr lang="en-US" dirty="0" smtClean="0"/>
-              <a:t>Add Experiment (</a:t>
-            </a:r>
-            <a:r>
-              <a:rPr lang="en-US" dirty="0" smtClean="0"/>
-              <a:t>Avg. </a:t>
-            </a:r>
-            <a:r>
-              <a:rPr lang="en-US" dirty="0" smtClean="0"/>
-              <a:t>Score 3.6)</a:t>
+              <a:t>Add Experiment (Avg. Score 3.6)</a:t>
             </a:r>
           </a:p>
           <a:p>
             <a:pPr lvl="1"/>
             <a:r>
               <a:rPr lang="en-US" dirty="0" smtClean="0"/>
-              <a:t>Intuitive, </a:t>
-            </a:r>
-            <a:r>
-              <a:rPr lang="en-US" dirty="0" smtClean="0"/>
-              <a:t>style </a:t>
-            </a:r>
-            <a:r>
-              <a:rPr lang="en-US" dirty="0" smtClean="0"/>
-              <a:t>of page/buttons</a:t>
+              <a:t>Intuitive, style of page/buttons</a:t>
             </a:r>
           </a:p>
           <a:p>
             <a:pPr lvl="1"/>
             <a:r>
               <a:rPr lang="en-US" dirty="0" smtClean="0"/>
-              <a:t>Combine with Date/Time range selection, </a:t>
-            </a:r>
-            <a:r>
-              <a:rPr lang="en-US" dirty="0" smtClean="0"/>
-              <a:t>add </a:t>
-            </a:r>
-            <a:r>
-              <a:rPr lang="en-US" dirty="0" smtClean="0"/>
-              <a:t>save button to top of page</a:t>
+              <a:t>Combine with Date/Time range selection, add save button to top of page</a:t>
             </a:r>
           </a:p>
           <a:p>
@@ -15821,8 +17442,8 @@
         </p:nvSpPr>
         <p:spPr>
           <a:xfrm>
-            <a:off x="457200" y="1371600"/>
-            <a:ext cx="8229600" cy="5257800"/>
+            <a:off x="457200" y="2590800"/>
+            <a:ext cx="8229600" cy="4038600"/>
           </a:xfrm>
         </p:spPr>
         <p:txBody>
@@ -15833,56 +17454,27 @@
           <a:p>
             <a:r>
               <a:rPr lang="en-US" dirty="0" smtClean="0"/>
-              <a:t>Modify Experiment (</a:t>
-            </a:r>
-            <a:r>
-              <a:rPr lang="en-US" dirty="0" smtClean="0"/>
-              <a:t>Avg. </a:t>
-            </a:r>
-            <a:r>
-              <a:rPr lang="en-US" dirty="0" smtClean="0"/>
-              <a:t>Score 4.0)</a:t>
+              <a:t>Modify Experiment (Avg. Score 4.0)</a:t>
             </a:r>
           </a:p>
           <a:p>
             <a:pPr lvl="1"/>
             <a:r>
               <a:rPr lang="en-US" dirty="0" smtClean="0"/>
-              <a:t>Easy to user, </a:t>
+              <a:t>Easy to user, straightforward</a:t>
             </a:r>
-            <a:r>
-              <a:rPr lang="en-US" dirty="0" smtClean="0"/>
-              <a:t>straightforward</a:t>
-            </a:r>
-            <a:endParaRPr lang="en-US" dirty="0" smtClean="0"/>
           </a:p>
           <a:p>
             <a:pPr lvl="1"/>
             <a:r>
               <a:rPr lang="en-US" dirty="0" smtClean="0"/>
-              <a:t>Combine with Date/Time range selection, </a:t>
+              <a:t>Combine with Date/Time range selection, modify button on list experiments page</a:t>
             </a:r>
+          </a:p>
+          <a:p>
             <a:r>
               <a:rPr lang="en-US" dirty="0" smtClean="0"/>
-              <a:t>modify </a:t>
-            </a:r>
-            <a:r>
-              <a:rPr lang="en-US" dirty="0" smtClean="0"/>
-              <a:t>button on list experiments page</a:t>
-            </a:r>
-          </a:p>
-          <a:p>
-            <a:r>
-              <a:rPr lang="en-US" dirty="0" smtClean="0"/>
-              <a:t>Experiment Time and Date Range (</a:t>
-            </a:r>
-            <a:r>
-              <a:rPr lang="en-US" dirty="0" smtClean="0"/>
-              <a:t>Avg. </a:t>
-            </a:r>
-            <a:r>
-              <a:rPr lang="en-US" dirty="0" smtClean="0"/>
-              <a:t>Score 3)</a:t>
+              <a:t>Experiment Time and Date Range (Avg. Score 3)</a:t>
             </a:r>
           </a:p>
           <a:p>
@@ -15999,15 +17591,7 @@
           <a:p>
             <a:r>
               <a:rPr lang="en-US" dirty="0" smtClean="0"/>
-              <a:t>Delete Experiment (</a:t>
-            </a:r>
-            <a:r>
-              <a:rPr lang="en-US" dirty="0" smtClean="0"/>
-              <a:t>Avg. </a:t>
-            </a:r>
-            <a:r>
-              <a:rPr lang="en-US" dirty="0" smtClean="0"/>
-              <a:t>Score 3.2)</a:t>
+              <a:t>Delete Experiment (Avg. Score 3.2)</a:t>
             </a:r>
           </a:p>
           <a:p>
@@ -16096,7 +17680,7 @@
           </p:nvPr>
         </p:nvPicPr>
         <p:blipFill>
-          <a:blip r:embed="rId2" cstate="print">
+          <a:blip r:embed="rId3" cstate="print">
             <a:extLst>
               <a:ext uri="{28A0092B-C50C-407E-A947-70E740481C1C}">
                 <a14:useLocalDpi xmlns:a14="http://schemas.microsoft.com/office/drawing/2010/main" val="0"/>
@@ -16455,4 +18039,289 @@
   <a:objectDefaults/>
   <a:extraClrSchemeLst/>
 </a:theme>
+</file>
+
+<file path=ppt/theme/theme2.xml><?xml version="1.0" encoding="utf-8"?>
+<a:theme xmlns:a="http://schemas.openxmlformats.org/drawingml/2006/main" name="Office Theme">
+  <a:themeElements>
+    <a:clrScheme name="Office">
+      <a:dk1>
+        <a:sysClr val="windowText" lastClr="000000"/>
+      </a:dk1>
+      <a:lt1>
+        <a:sysClr val="window" lastClr="FFFFFF"/>
+      </a:lt1>
+      <a:dk2>
+        <a:srgbClr val="1F497D"/>
+      </a:dk2>
+      <a:lt2>
+        <a:srgbClr val="EEECE1"/>
+      </a:lt2>
+      <a:accent1>
+        <a:srgbClr val="4F81BD"/>
+      </a:accent1>
+      <a:accent2>
+        <a:srgbClr val="C0504D"/>
+      </a:accent2>
+      <a:accent3>
+        <a:srgbClr val="9BBB59"/>
+      </a:accent3>
+      <a:accent4>
+        <a:srgbClr val="8064A2"/>
+      </a:accent4>
+      <a:accent5>
+        <a:srgbClr val="4BACC6"/>
+      </a:accent5>
+      <a:accent6>
+        <a:srgbClr val="F79646"/>
+      </a:accent6>
+      <a:hlink>
+        <a:srgbClr val="0000FF"/>
+      </a:hlink>
+      <a:folHlink>
+        <a:srgbClr val="800080"/>
+      </a:folHlink>
+    </a:clrScheme>
+    <a:fontScheme name="Office">
+      <a:majorFont>
+        <a:latin typeface="Calibri"/>
+        <a:ea typeface=""/>
+        <a:cs typeface=""/>
+        <a:font script="Jpan" typeface="ＭＳ Ｐゴシック"/>
+        <a:font script="Hang" typeface="맑은 고딕"/>
+        <a:font script="Hans" typeface="宋体"/>
+        <a:font script="Hant" typeface="新細明體"/>
+        <a:font script="Arab" typeface="Times New Roman"/>
+        <a:font script="Hebr" typeface="Times New Roman"/>
+        <a:font script="Thai" typeface="Angsana New"/>
+        <a:font script="Ethi" typeface="Nyala"/>
+        <a:font script="Beng" typeface="Vrinda"/>
+        <a:font script="Gujr" typeface="Shruti"/>
+        <a:font script="Khmr" typeface="MoolBoran"/>
+        <a:font script="Knda" typeface="Tunga"/>
+        <a:font script="Guru" typeface="Raavi"/>
+        <a:font script="Cans" typeface="Euphemia"/>
+        <a:font script="Cher" typeface="Plantagenet Cherokee"/>
+        <a:font script="Yiii" typeface="Microsoft Yi Baiti"/>
+        <a:font script="Tibt" typeface="Microsoft Himalaya"/>
+        <a:font script="Thaa" typeface="MV Boli"/>
+        <a:font script="Deva" typeface="Mangal"/>
+        <a:font script="Telu" typeface="Gautami"/>
+        <a:font script="Taml" typeface="Latha"/>
+        <a:font script="Syrc" typeface="Estrangelo Edessa"/>
+        <a:font script="Orya" typeface="Kalinga"/>
+        <a:font script="Mlym" typeface="Kartika"/>
+        <a:font script="Laoo" typeface="DokChampa"/>
+        <a:font script="Sinh" typeface="Iskoola Pota"/>
+        <a:font script="Mong" typeface="Mongolian Baiti"/>
+        <a:font script="Viet" typeface="Times New Roman"/>
+        <a:font script="Uigh" typeface="Microsoft Uighur"/>
+        <a:font script="Geor" typeface="Sylfaen"/>
+      </a:majorFont>
+      <a:minorFont>
+        <a:latin typeface="Calibri"/>
+        <a:ea typeface=""/>
+        <a:cs typeface=""/>
+        <a:font script="Jpan" typeface="ＭＳ Ｐゴシック"/>
+        <a:font script="Hang" typeface="맑은 고딕"/>
+        <a:font script="Hans" typeface="宋体"/>
+        <a:font script="Hant" typeface="新細明體"/>
+        <a:font script="Arab" typeface="Arial"/>
+        <a:font script="Hebr" typeface="Arial"/>
+        <a:font script="Thai" typeface="Cordia New"/>
+        <a:font script="Ethi" typeface="Nyala"/>
+        <a:font script="Beng" typeface="Vrinda"/>
+        <a:font script="Gujr" typeface="Shruti"/>
+        <a:font script="Khmr" typeface="DaunPenh"/>
+        <a:font script="Knda" typeface="Tunga"/>
+        <a:font script="Guru" typeface="Raavi"/>
+        <a:font script="Cans" typeface="Euphemia"/>
+        <a:font script="Cher" typeface="Plantagenet Cherokee"/>
+        <a:font script="Yiii" typeface="Microsoft Yi Baiti"/>
+        <a:font script="Tibt" typeface="Microsoft Himalaya"/>
+        <a:font script="Thaa" typeface="MV Boli"/>
+        <a:font script="Deva" typeface="Mangal"/>
+        <a:font script="Telu" typeface="Gautami"/>
+        <a:font script="Taml" typeface="Latha"/>
+        <a:font script="Syrc" typeface="Estrangelo Edessa"/>
+        <a:font script="Orya" typeface="Kalinga"/>
+        <a:font script="Mlym" typeface="Kartika"/>
+        <a:font script="Laoo" typeface="DokChampa"/>
+        <a:font script="Sinh" typeface="Iskoola Pota"/>
+        <a:font script="Mong" typeface="Mongolian Baiti"/>
+        <a:font script="Viet" typeface="Arial"/>
+        <a:font script="Uigh" typeface="Microsoft Uighur"/>
+        <a:font script="Geor" typeface="Sylfaen"/>
+      </a:minorFont>
+    </a:fontScheme>
+    <a:fmtScheme name="Office">
+      <a:fillStyleLst>
+        <a:solidFill>
+          <a:schemeClr val="phClr"/>
+        </a:solidFill>
+        <a:gradFill rotWithShape="1">
+          <a:gsLst>
+            <a:gs pos="0">
+              <a:schemeClr val="phClr">
+                <a:tint val="50000"/>
+                <a:satMod val="300000"/>
+              </a:schemeClr>
+            </a:gs>
+            <a:gs pos="35000">
+              <a:schemeClr val="phClr">
+                <a:tint val="37000"/>
+                <a:satMod val="300000"/>
+              </a:schemeClr>
+            </a:gs>
+            <a:gs pos="100000">
+              <a:schemeClr val="phClr">
+                <a:tint val="15000"/>
+                <a:satMod val="350000"/>
+              </a:schemeClr>
+            </a:gs>
+          </a:gsLst>
+          <a:lin ang="16200000" scaled="1"/>
+        </a:gradFill>
+        <a:gradFill rotWithShape="1">
+          <a:gsLst>
+            <a:gs pos="0">
+              <a:schemeClr val="phClr">
+                <a:shade val="51000"/>
+                <a:satMod val="130000"/>
+              </a:schemeClr>
+            </a:gs>
+            <a:gs pos="80000">
+              <a:schemeClr val="phClr">
+                <a:shade val="93000"/>
+                <a:satMod val="130000"/>
+              </a:schemeClr>
+            </a:gs>
+            <a:gs pos="100000">
+              <a:schemeClr val="phClr">
+                <a:shade val="94000"/>
+                <a:satMod val="135000"/>
+              </a:schemeClr>
+            </a:gs>
+          </a:gsLst>
+          <a:lin ang="16200000" scaled="0"/>
+        </a:gradFill>
+      </a:fillStyleLst>
+      <a:lnStyleLst>
+        <a:ln w="9525" cap="flat" cmpd="sng" algn="ctr">
+          <a:solidFill>
+            <a:schemeClr val="phClr">
+              <a:shade val="95000"/>
+              <a:satMod val="105000"/>
+            </a:schemeClr>
+          </a:solidFill>
+          <a:prstDash val="solid"/>
+        </a:ln>
+        <a:ln w="25400" cap="flat" cmpd="sng" algn="ctr">
+          <a:solidFill>
+            <a:schemeClr val="phClr"/>
+          </a:solidFill>
+          <a:prstDash val="solid"/>
+        </a:ln>
+        <a:ln w="38100" cap="flat" cmpd="sng" algn="ctr">
+          <a:solidFill>
+            <a:schemeClr val="phClr"/>
+          </a:solidFill>
+          <a:prstDash val="solid"/>
+        </a:ln>
+      </a:lnStyleLst>
+      <a:effectStyleLst>
+        <a:effectStyle>
+          <a:effectLst>
+            <a:outerShdw blurRad="40000" dist="20000" dir="5400000" rotWithShape="0">
+              <a:srgbClr val="000000">
+                <a:alpha val="38000"/>
+              </a:srgbClr>
+            </a:outerShdw>
+          </a:effectLst>
+        </a:effectStyle>
+        <a:effectStyle>
+          <a:effectLst>
+            <a:outerShdw blurRad="40000" dist="23000" dir="5400000" rotWithShape="0">
+              <a:srgbClr val="000000">
+                <a:alpha val="35000"/>
+              </a:srgbClr>
+            </a:outerShdw>
+          </a:effectLst>
+        </a:effectStyle>
+        <a:effectStyle>
+          <a:effectLst>
+            <a:outerShdw blurRad="40000" dist="23000" dir="5400000" rotWithShape="0">
+              <a:srgbClr val="000000">
+                <a:alpha val="35000"/>
+              </a:srgbClr>
+            </a:outerShdw>
+          </a:effectLst>
+          <a:scene3d>
+            <a:camera prst="orthographicFront">
+              <a:rot lat="0" lon="0" rev="0"/>
+            </a:camera>
+            <a:lightRig rig="threePt" dir="t">
+              <a:rot lat="0" lon="0" rev="1200000"/>
+            </a:lightRig>
+          </a:scene3d>
+          <a:sp3d>
+            <a:bevelT w="63500" h="25400"/>
+          </a:sp3d>
+        </a:effectStyle>
+      </a:effectStyleLst>
+      <a:bgFillStyleLst>
+        <a:solidFill>
+          <a:schemeClr val="phClr"/>
+        </a:solidFill>
+        <a:gradFill rotWithShape="1">
+          <a:gsLst>
+            <a:gs pos="0">
+              <a:schemeClr val="phClr">
+                <a:tint val="40000"/>
+                <a:satMod val="350000"/>
+              </a:schemeClr>
+            </a:gs>
+            <a:gs pos="40000">
+              <a:schemeClr val="phClr">
+                <a:tint val="45000"/>
+                <a:shade val="99000"/>
+                <a:satMod val="350000"/>
+              </a:schemeClr>
+            </a:gs>
+            <a:gs pos="100000">
+              <a:schemeClr val="phClr">
+                <a:shade val="20000"/>
+                <a:satMod val="255000"/>
+              </a:schemeClr>
+            </a:gs>
+          </a:gsLst>
+          <a:path path="circle">
+            <a:fillToRect l="50000" t="-80000" r="50000" b="180000"/>
+          </a:path>
+        </a:gradFill>
+        <a:gradFill rotWithShape="1">
+          <a:gsLst>
+            <a:gs pos="0">
+              <a:schemeClr val="phClr">
+                <a:tint val="80000"/>
+                <a:satMod val="300000"/>
+              </a:schemeClr>
+            </a:gs>
+            <a:gs pos="100000">
+              <a:schemeClr val="phClr">
+                <a:shade val="30000"/>
+                <a:satMod val="200000"/>
+              </a:schemeClr>
+            </a:gs>
+          </a:gsLst>
+          <a:path path="circle">
+            <a:fillToRect l="50000" t="50000" r="50000" b="50000"/>
+          </a:path>
+        </a:gradFill>
+      </a:bgFillStyleLst>
+    </a:fmtScheme>
+  </a:themeElements>
+  <a:objectDefaults/>
+  <a:extraClrSchemeLst/>
+</a:theme>
 </file>
--- a/other/Participant Scheduling System.pptx
+++ b/other/Participant Scheduling System.pptx
@@ -206,7 +206,8 @@
           <a:p>
             <a:fld id="{000A8CA1-E215-43EC-8A3A-B2C00315C3C0}" type="datetimeFigureOut">
               <a:rPr lang="en-US" smtClean="0"/>
-              <a:t>11/9/2011</a:t>
+              <a:pPr/>
+              <a:t>11/10/2011</a:t>
             </a:fld>
             <a:endParaRPr lang="en-US"/>
           </a:p>
@@ -365,6 +366,7 @@
           <a:p>
             <a:fld id="{FD26B717-0AAD-47A2-9830-5A33C56D3F1D}" type="slidenum">
               <a:rPr lang="en-US" smtClean="0"/>
+              <a:pPr/>
               <a:t>‹#›</a:t>
             </a:fld>
             <a:endParaRPr lang="en-US"/>
@@ -374,7 +376,7 @@
     </p:spTree>
     <p:extLst>
       <p:ext uri="{BB962C8B-B14F-4D97-AF65-F5344CB8AC3E}">
-        <p14:creationId xmlns:p14="http://schemas.microsoft.com/office/powerpoint/2010/main" val="2979408043"/>
+        <p14:creationId xmlns:p14="http://schemas.microsoft.com/office/powerpoint/2010/main" xmlns="" val="2979408043"/>
       </p:ext>
     </p:extLst>
   </p:cSld>
@@ -543,6 +545,7 @@
           <a:p>
             <a:fld id="{FD26B717-0AAD-47A2-9830-5A33C56D3F1D}" type="slidenum">
               <a:rPr lang="en-US" smtClean="0"/>
+              <a:pPr/>
               <a:t>1</a:t>
             </a:fld>
             <a:endParaRPr lang="en-US"/>
@@ -552,7 +555,7 @@
     </p:spTree>
     <p:extLst>
       <p:ext uri="{BB962C8B-B14F-4D97-AF65-F5344CB8AC3E}">
-        <p14:creationId xmlns:p14="http://schemas.microsoft.com/office/powerpoint/2010/main" val="606450026"/>
+        <p14:creationId xmlns:p14="http://schemas.microsoft.com/office/powerpoint/2010/main" xmlns="" val="606450026"/>
       </p:ext>
     </p:extLst>
   </p:cSld>
@@ -631,6 +634,7 @@
           <a:p>
             <a:fld id="{FD26B717-0AAD-47A2-9830-5A33C56D3F1D}" type="slidenum">
               <a:rPr lang="en-US" smtClean="0"/>
+              <a:pPr/>
               <a:t>10</a:t>
             </a:fld>
             <a:endParaRPr lang="en-US"/>
@@ -640,7 +644,7 @@
     </p:spTree>
     <p:extLst>
       <p:ext uri="{BB962C8B-B14F-4D97-AF65-F5344CB8AC3E}">
-        <p14:creationId xmlns:p14="http://schemas.microsoft.com/office/powerpoint/2010/main" val="3563688765"/>
+        <p14:creationId xmlns:p14="http://schemas.microsoft.com/office/powerpoint/2010/main" xmlns="" val="3563688765"/>
       </p:ext>
     </p:extLst>
   </p:cSld>
@@ -719,6 +723,7 @@
           <a:p>
             <a:fld id="{FD26B717-0AAD-47A2-9830-5A33C56D3F1D}" type="slidenum">
               <a:rPr lang="en-US" smtClean="0"/>
+              <a:pPr/>
               <a:t>11</a:t>
             </a:fld>
             <a:endParaRPr lang="en-US"/>
@@ -728,7 +733,7 @@
     </p:spTree>
     <p:extLst>
       <p:ext uri="{BB962C8B-B14F-4D97-AF65-F5344CB8AC3E}">
-        <p14:creationId xmlns:p14="http://schemas.microsoft.com/office/powerpoint/2010/main" val="1027160672"/>
+        <p14:creationId xmlns:p14="http://schemas.microsoft.com/office/powerpoint/2010/main" xmlns="" val="1027160672"/>
       </p:ext>
     </p:extLst>
   </p:cSld>
@@ -807,6 +812,7 @@
           <a:p>
             <a:fld id="{FD26B717-0AAD-47A2-9830-5A33C56D3F1D}" type="slidenum">
               <a:rPr lang="en-US" smtClean="0"/>
+              <a:pPr/>
               <a:t>12</a:t>
             </a:fld>
             <a:endParaRPr lang="en-US"/>
@@ -816,7 +822,7 @@
     </p:spTree>
     <p:extLst>
       <p:ext uri="{BB962C8B-B14F-4D97-AF65-F5344CB8AC3E}">
-        <p14:creationId xmlns:p14="http://schemas.microsoft.com/office/powerpoint/2010/main" val="215227001"/>
+        <p14:creationId xmlns:p14="http://schemas.microsoft.com/office/powerpoint/2010/main" xmlns="" val="215227001"/>
       </p:ext>
     </p:extLst>
   </p:cSld>
@@ -895,6 +901,7 @@
           <a:p>
             <a:fld id="{FD26B717-0AAD-47A2-9830-5A33C56D3F1D}" type="slidenum">
               <a:rPr lang="en-US" smtClean="0"/>
+              <a:pPr/>
               <a:t>13</a:t>
             </a:fld>
             <a:endParaRPr lang="en-US"/>
@@ -904,7 +911,7 @@
     </p:spTree>
     <p:extLst>
       <p:ext uri="{BB962C8B-B14F-4D97-AF65-F5344CB8AC3E}">
-        <p14:creationId xmlns:p14="http://schemas.microsoft.com/office/powerpoint/2010/main" val="2933197602"/>
+        <p14:creationId xmlns:p14="http://schemas.microsoft.com/office/powerpoint/2010/main" xmlns="" val="2933197602"/>
       </p:ext>
     </p:extLst>
   </p:cSld>
@@ -983,6 +990,7 @@
           <a:p>
             <a:fld id="{FD26B717-0AAD-47A2-9830-5A33C56D3F1D}" type="slidenum">
               <a:rPr lang="en-US" smtClean="0"/>
+              <a:pPr/>
               <a:t>14</a:t>
             </a:fld>
             <a:endParaRPr lang="en-US"/>
@@ -992,7 +1000,7 @@
     </p:spTree>
     <p:extLst>
       <p:ext uri="{BB962C8B-B14F-4D97-AF65-F5344CB8AC3E}">
-        <p14:creationId xmlns:p14="http://schemas.microsoft.com/office/powerpoint/2010/main" val="1921466989"/>
+        <p14:creationId xmlns:p14="http://schemas.microsoft.com/office/powerpoint/2010/main" xmlns="" val="1921466989"/>
       </p:ext>
     </p:extLst>
   </p:cSld>
@@ -1071,6 +1079,7 @@
           <a:p>
             <a:fld id="{FD26B717-0AAD-47A2-9830-5A33C56D3F1D}" type="slidenum">
               <a:rPr lang="en-US" smtClean="0"/>
+              <a:pPr/>
               <a:t>15</a:t>
             </a:fld>
             <a:endParaRPr lang="en-US"/>
@@ -1080,7 +1089,7 @@
     </p:spTree>
     <p:extLst>
       <p:ext uri="{BB962C8B-B14F-4D97-AF65-F5344CB8AC3E}">
-        <p14:creationId xmlns:p14="http://schemas.microsoft.com/office/powerpoint/2010/main" val="73812178"/>
+        <p14:creationId xmlns:p14="http://schemas.microsoft.com/office/powerpoint/2010/main" xmlns="" val="73812178"/>
       </p:ext>
     </p:extLst>
   </p:cSld>
@@ -1159,6 +1168,7 @@
           <a:p>
             <a:fld id="{FD26B717-0AAD-47A2-9830-5A33C56D3F1D}" type="slidenum">
               <a:rPr lang="en-US" smtClean="0"/>
+              <a:pPr/>
               <a:t>2</a:t>
             </a:fld>
             <a:endParaRPr lang="en-US"/>
@@ -1168,7 +1178,7 @@
     </p:spTree>
     <p:extLst>
       <p:ext uri="{BB962C8B-B14F-4D97-AF65-F5344CB8AC3E}">
-        <p14:creationId xmlns:p14="http://schemas.microsoft.com/office/powerpoint/2010/main" val="85565319"/>
+        <p14:creationId xmlns:p14="http://schemas.microsoft.com/office/powerpoint/2010/main" xmlns="" val="85565319"/>
       </p:ext>
     </p:extLst>
   </p:cSld>
@@ -1247,6 +1257,7 @@
           <a:p>
             <a:fld id="{FD26B717-0AAD-47A2-9830-5A33C56D3F1D}" type="slidenum">
               <a:rPr lang="en-US" smtClean="0"/>
+              <a:pPr/>
               <a:t>3</a:t>
             </a:fld>
             <a:endParaRPr lang="en-US"/>
@@ -1256,7 +1267,7 @@
     </p:spTree>
     <p:extLst>
       <p:ext uri="{BB962C8B-B14F-4D97-AF65-F5344CB8AC3E}">
-        <p14:creationId xmlns:p14="http://schemas.microsoft.com/office/powerpoint/2010/main" val="1623198740"/>
+        <p14:creationId xmlns:p14="http://schemas.microsoft.com/office/powerpoint/2010/main" xmlns="" val="1623198740"/>
       </p:ext>
     </p:extLst>
   </p:cSld>
@@ -1335,6 +1346,7 @@
           <a:p>
             <a:fld id="{FD26B717-0AAD-47A2-9830-5A33C56D3F1D}" type="slidenum">
               <a:rPr lang="en-US" smtClean="0"/>
+              <a:pPr/>
               <a:t>4</a:t>
             </a:fld>
             <a:endParaRPr lang="en-US"/>
@@ -1344,7 +1356,7 @@
     </p:spTree>
     <p:extLst>
       <p:ext uri="{BB962C8B-B14F-4D97-AF65-F5344CB8AC3E}">
-        <p14:creationId xmlns:p14="http://schemas.microsoft.com/office/powerpoint/2010/main" val="4123170506"/>
+        <p14:creationId xmlns:p14="http://schemas.microsoft.com/office/powerpoint/2010/main" xmlns="" val="4123170506"/>
       </p:ext>
     </p:extLst>
   </p:cSld>
@@ -1423,6 +1435,7 @@
           <a:p>
             <a:fld id="{FD26B717-0AAD-47A2-9830-5A33C56D3F1D}" type="slidenum">
               <a:rPr lang="en-US" smtClean="0"/>
+              <a:pPr/>
               <a:t>5</a:t>
             </a:fld>
             <a:endParaRPr lang="en-US"/>
@@ -1432,7 +1445,7 @@
     </p:spTree>
     <p:extLst>
       <p:ext uri="{BB962C8B-B14F-4D97-AF65-F5344CB8AC3E}">
-        <p14:creationId xmlns:p14="http://schemas.microsoft.com/office/powerpoint/2010/main" val="2774192762"/>
+        <p14:creationId xmlns:p14="http://schemas.microsoft.com/office/powerpoint/2010/main" xmlns="" val="2774192762"/>
       </p:ext>
     </p:extLst>
   </p:cSld>
@@ -1511,6 +1524,7 @@
           <a:p>
             <a:fld id="{FD26B717-0AAD-47A2-9830-5A33C56D3F1D}" type="slidenum">
               <a:rPr lang="en-US" smtClean="0"/>
+              <a:pPr/>
               <a:t>6</a:t>
             </a:fld>
             <a:endParaRPr lang="en-US"/>
@@ -1520,7 +1534,7 @@
     </p:spTree>
     <p:extLst>
       <p:ext uri="{BB962C8B-B14F-4D97-AF65-F5344CB8AC3E}">
-        <p14:creationId xmlns:p14="http://schemas.microsoft.com/office/powerpoint/2010/main" val="3019086209"/>
+        <p14:creationId xmlns:p14="http://schemas.microsoft.com/office/powerpoint/2010/main" xmlns="" val="3019086209"/>
       </p:ext>
     </p:extLst>
   </p:cSld>
@@ -1599,6 +1613,7 @@
           <a:p>
             <a:fld id="{FD26B717-0AAD-47A2-9830-5A33C56D3F1D}" type="slidenum">
               <a:rPr lang="en-US" smtClean="0"/>
+              <a:pPr/>
               <a:t>7</a:t>
             </a:fld>
             <a:endParaRPr lang="en-US"/>
@@ -1608,7 +1623,7 @@
     </p:spTree>
     <p:extLst>
       <p:ext uri="{BB962C8B-B14F-4D97-AF65-F5344CB8AC3E}">
-        <p14:creationId xmlns:p14="http://schemas.microsoft.com/office/powerpoint/2010/main" val="797059222"/>
+        <p14:creationId xmlns:p14="http://schemas.microsoft.com/office/powerpoint/2010/main" xmlns="" val="797059222"/>
       </p:ext>
     </p:extLst>
   </p:cSld>
@@ -1687,6 +1702,7 @@
           <a:p>
             <a:fld id="{FD26B717-0AAD-47A2-9830-5A33C56D3F1D}" type="slidenum">
               <a:rPr lang="en-US" smtClean="0"/>
+              <a:pPr/>
               <a:t>8</a:t>
             </a:fld>
             <a:endParaRPr lang="en-US"/>
@@ -1696,7 +1712,7 @@
     </p:spTree>
     <p:extLst>
       <p:ext uri="{BB962C8B-B14F-4D97-AF65-F5344CB8AC3E}">
-        <p14:creationId xmlns:p14="http://schemas.microsoft.com/office/powerpoint/2010/main" val="2394834596"/>
+        <p14:creationId xmlns:p14="http://schemas.microsoft.com/office/powerpoint/2010/main" xmlns="" val="2394834596"/>
       </p:ext>
     </p:extLst>
   </p:cSld>
@@ -1775,6 +1791,7 @@
           <a:p>
             <a:fld id="{FD26B717-0AAD-47A2-9830-5A33C56D3F1D}" type="slidenum">
               <a:rPr lang="en-US" smtClean="0"/>
+              <a:pPr/>
               <a:t>9</a:t>
             </a:fld>
             <a:endParaRPr lang="en-US"/>
@@ -1784,7 +1801,7 @@
     </p:spTree>
     <p:extLst>
       <p:ext uri="{BB962C8B-B14F-4D97-AF65-F5344CB8AC3E}">
-        <p14:creationId xmlns:p14="http://schemas.microsoft.com/office/powerpoint/2010/main" val="3684572649"/>
+        <p14:creationId xmlns:p14="http://schemas.microsoft.com/office/powerpoint/2010/main" xmlns="" val="3684572649"/>
       </p:ext>
     </p:extLst>
   </p:cSld>
@@ -3606,7 +3623,8 @@
           <a:p>
             <a:fld id="{C283C74A-2AD2-414A-8297-5FF3D0AE6688}" type="datetimeFigureOut">
               <a:rPr lang="en-US" smtClean="0"/>
-              <a:t>11/9/2011</a:t>
+              <a:pPr/>
+              <a:t>11/10/2011</a:t>
             </a:fld>
             <a:endParaRPr lang="en-US"/>
           </a:p>
@@ -3648,6 +3666,7 @@
           <a:p>
             <a:fld id="{24B00D74-FC60-4C48-AD4C-DA53DA5CDEFD}" type="slidenum">
               <a:rPr lang="en-US" smtClean="0"/>
+              <a:pPr/>
               <a:t>‹#›</a:t>
             </a:fld>
             <a:endParaRPr lang="en-US"/>
@@ -3787,7 +3806,8 @@
           <a:p>
             <a:fld id="{C283C74A-2AD2-414A-8297-5FF3D0AE6688}" type="datetimeFigureOut">
               <a:rPr lang="en-US" smtClean="0"/>
-              <a:t>11/9/2011</a:t>
+              <a:pPr/>
+              <a:t>11/10/2011</a:t>
             </a:fld>
             <a:endParaRPr lang="en-US"/>
           </a:p>
@@ -3829,6 +3849,7 @@
           <a:p>
             <a:fld id="{24B00D74-FC60-4C48-AD4C-DA53DA5CDEFD}" type="slidenum">
               <a:rPr lang="en-US" smtClean="0"/>
+              <a:pPr/>
               <a:t>‹#›</a:t>
             </a:fld>
             <a:endParaRPr lang="en-US"/>
@@ -3938,7 +3959,8 @@
           <a:p>
             <a:fld id="{C283C74A-2AD2-414A-8297-5FF3D0AE6688}" type="datetimeFigureOut">
               <a:rPr lang="en-US" smtClean="0"/>
-              <a:t>11/9/2011</a:t>
+              <a:pPr/>
+              <a:t>11/10/2011</a:t>
             </a:fld>
             <a:endParaRPr lang="en-US"/>
           </a:p>
@@ -3980,6 +4002,7 @@
           <a:p>
             <a:fld id="{24B00D74-FC60-4C48-AD4C-DA53DA5CDEFD}" type="slidenum">
               <a:rPr lang="en-US" smtClean="0"/>
+              <a:pPr/>
               <a:t>‹#›</a:t>
             </a:fld>
             <a:endParaRPr lang="en-US"/>
@@ -5764,7 +5787,8 @@
           <a:p>
             <a:fld id="{C283C74A-2AD2-414A-8297-5FF3D0AE6688}" type="datetimeFigureOut">
               <a:rPr lang="en-US" smtClean="0"/>
-              <a:t>11/9/2011</a:t>
+              <a:pPr/>
+              <a:t>11/10/2011</a:t>
             </a:fld>
             <a:endParaRPr lang="en-US"/>
           </a:p>
@@ -5806,6 +5830,7 @@
           <a:p>
             <a:fld id="{24B00D74-FC60-4C48-AD4C-DA53DA5CDEFD}" type="slidenum">
               <a:rPr lang="en-US" smtClean="0"/>
+              <a:pPr/>
               <a:t>‹#›</a:t>
             </a:fld>
             <a:endParaRPr lang="en-US"/>
@@ -7634,7 +7659,8 @@
           <a:p>
             <a:fld id="{C283C74A-2AD2-414A-8297-5FF3D0AE6688}" type="datetimeFigureOut">
               <a:rPr lang="en-US" smtClean="0"/>
-              <a:t>11/9/2011</a:t>
+              <a:pPr/>
+              <a:t>11/10/2011</a:t>
             </a:fld>
             <a:endParaRPr lang="en-US"/>
           </a:p>
@@ -7676,6 +7702,7 @@
           <a:p>
             <a:fld id="{24B00D74-FC60-4C48-AD4C-DA53DA5CDEFD}" type="slidenum">
               <a:rPr lang="en-US" smtClean="0"/>
+              <a:pPr/>
               <a:t>‹#›</a:t>
             </a:fld>
             <a:endParaRPr lang="en-US"/>
@@ -7747,7 +7774,8 @@
           <a:p>
             <a:fld id="{C283C74A-2AD2-414A-8297-5FF3D0AE6688}" type="datetimeFigureOut">
               <a:rPr lang="en-US" smtClean="0"/>
-              <a:t>11/9/2011</a:t>
+              <a:pPr/>
+              <a:t>11/10/2011</a:t>
             </a:fld>
             <a:endParaRPr lang="en-US"/>
           </a:p>
@@ -7789,6 +7817,7 @@
           <a:p>
             <a:fld id="{24B00D74-FC60-4C48-AD4C-DA53DA5CDEFD}" type="slidenum">
               <a:rPr lang="en-US" smtClean="0"/>
+              <a:pPr/>
               <a:t>‹#›</a:t>
             </a:fld>
             <a:endParaRPr lang="en-US"/>
@@ -8288,7 +8317,8 @@
           <a:p>
             <a:fld id="{C283C74A-2AD2-414A-8297-5FF3D0AE6688}" type="datetimeFigureOut">
               <a:rPr lang="en-US" smtClean="0"/>
-              <a:t>11/9/2011</a:t>
+              <a:pPr/>
+              <a:t>11/10/2011</a:t>
             </a:fld>
             <a:endParaRPr lang="en-US"/>
           </a:p>
@@ -8330,6 +8360,7 @@
           <a:p>
             <a:fld id="{24B00D74-FC60-4C48-AD4C-DA53DA5CDEFD}" type="slidenum">
               <a:rPr lang="en-US" smtClean="0"/>
+              <a:pPr/>
               <a:t>‹#›</a:t>
             </a:fld>
             <a:endParaRPr lang="en-US"/>
@@ -8401,7 +8432,8 @@
           <a:p>
             <a:fld id="{C283C74A-2AD2-414A-8297-5FF3D0AE6688}" type="datetimeFigureOut">
               <a:rPr lang="en-US" smtClean="0"/>
-              <a:t>11/9/2011</a:t>
+              <a:pPr/>
+              <a:t>11/10/2011</a:t>
             </a:fld>
             <a:endParaRPr lang="en-US"/>
           </a:p>
@@ -8443,6 +8475,7 @@
           <a:p>
             <a:fld id="{24B00D74-FC60-4C48-AD4C-DA53DA5CDEFD}" type="slidenum">
               <a:rPr lang="en-US" smtClean="0"/>
+              <a:pPr/>
               <a:t>‹#›</a:t>
             </a:fld>
             <a:endParaRPr lang="en-US"/>
@@ -10112,7 +10145,8 @@
           <a:p>
             <a:fld id="{C283C74A-2AD2-414A-8297-5FF3D0AE6688}" type="datetimeFigureOut">
               <a:rPr lang="en-US" smtClean="0"/>
-              <a:t>11/9/2011</a:t>
+              <a:pPr/>
+              <a:t>11/10/2011</a:t>
             </a:fld>
             <a:endParaRPr lang="en-US"/>
           </a:p>
@@ -10154,6 +10188,7 @@
           <a:p>
             <a:fld id="{24B00D74-FC60-4C48-AD4C-DA53DA5CDEFD}" type="slidenum">
               <a:rPr lang="en-US" smtClean="0"/>
+              <a:pPr/>
               <a:t>‹#›</a:t>
             </a:fld>
             <a:endParaRPr lang="en-US"/>
@@ -10263,7 +10298,8 @@
           <a:p>
             <a:fld id="{C283C74A-2AD2-414A-8297-5FF3D0AE6688}" type="datetimeFigureOut">
               <a:rPr lang="en-US" smtClean="0"/>
-              <a:t>11/9/2011</a:t>
+              <a:pPr/>
+              <a:t>11/10/2011</a:t>
             </a:fld>
             <a:endParaRPr lang="en-US"/>
           </a:p>
@@ -10305,6 +10341,7 @@
           <a:p>
             <a:fld id="{24B00D74-FC60-4C48-AD4C-DA53DA5CDEFD}" type="slidenum">
               <a:rPr lang="en-US" smtClean="0"/>
+              <a:pPr/>
               <a:t>‹#›</a:t>
             </a:fld>
             <a:endParaRPr lang="en-US"/>
@@ -13878,7 +13915,8 @@
           <a:p>
             <a:fld id="{C283C74A-2AD2-414A-8297-5FF3D0AE6688}" type="datetimeFigureOut">
               <a:rPr lang="en-US" smtClean="0"/>
-              <a:t>11/9/2011</a:t>
+              <a:pPr/>
+              <a:t>11/10/2011</a:t>
             </a:fld>
             <a:endParaRPr lang="en-US"/>
           </a:p>
@@ -13920,6 +13958,7 @@
           <a:p>
             <a:fld id="{24B00D74-FC60-4C48-AD4C-DA53DA5CDEFD}" type="slidenum">
               <a:rPr lang="en-US" smtClean="0"/>
+              <a:pPr/>
               <a:t>‹#›</a:t>
             </a:fld>
             <a:endParaRPr lang="en-US"/>
@@ -15737,7 +15776,8 @@
           <a:p>
             <a:fld id="{C283C74A-2AD2-414A-8297-5FF3D0AE6688}" type="datetimeFigureOut">
               <a:rPr lang="en-US" smtClean="0"/>
-              <a:t>11/9/2011</a:t>
+              <a:pPr/>
+              <a:t>11/10/2011</a:t>
             </a:fld>
             <a:endParaRPr lang="en-US"/>
           </a:p>
@@ -15811,6 +15851,7 @@
           <a:p>
             <a:fld id="{24B00D74-FC60-4C48-AD4C-DA53DA5CDEFD}" type="slidenum">
               <a:rPr lang="en-US" smtClean="0"/>
+              <a:pPr/>
               <a:t>‹#›</a:t>
             </a:fld>
             <a:endParaRPr lang="en-US"/>
@@ -16336,10 +16377,10 @@
           <p:nvPr/>
         </p:nvPicPr>
         <p:blipFill>
-          <a:blip r:embed="rId3">
+          <a:blip r:embed="rId3" cstate="print">
             <a:extLst>
               <a:ext uri="{28A0092B-C50C-407E-A947-70E740481C1C}">
-                <a14:useLocalDpi xmlns:a14="http://schemas.microsoft.com/office/drawing/2010/main" val="0"/>
+                <a14:useLocalDpi xmlns:a14="http://schemas.microsoft.com/office/drawing/2010/main" xmlns="" val="0"/>
               </a:ext>
             </a:extLst>
           </a:blip>
@@ -16359,7 +16400,7 @@
           <a:noFill/>
           <a:extLst>
             <a:ext uri="{909E8E84-426E-40DD-AFC4-6F175D3DCCD1}">
-              <a14:hiddenFill xmlns:a14="http://schemas.microsoft.com/office/drawing/2010/main">
+              <a14:hiddenFill xmlns:a14="http://schemas.microsoft.com/office/drawing/2010/main" xmlns="">
                 <a:solidFill>
                   <a:srgbClr val="FFFFFF"/>
                 </a:solidFill>
@@ -16371,7 +16412,7 @@
     </p:spTree>
     <p:extLst>
       <p:ext uri="{BB962C8B-B14F-4D97-AF65-F5344CB8AC3E}">
-        <p14:creationId xmlns:p14="http://schemas.microsoft.com/office/powerpoint/2010/main" val="151767081"/>
+        <p14:creationId xmlns:p14="http://schemas.microsoft.com/office/powerpoint/2010/main" xmlns="" val="151767081"/>
       </p:ext>
     </p:extLst>
   </p:cSld>
@@ -16419,7 +16460,7 @@
           <a:blip r:embed="rId3" cstate="print">
             <a:extLst>
               <a:ext uri="{28A0092B-C50C-407E-A947-70E740481C1C}">
-                <a14:useLocalDpi xmlns:a14="http://schemas.microsoft.com/office/drawing/2010/main" val="0"/>
+                <a14:useLocalDpi xmlns:a14="http://schemas.microsoft.com/office/drawing/2010/main" xmlns="" val="0"/>
               </a:ext>
             </a:extLst>
           </a:blip>
@@ -16460,7 +16501,7 @@
     </p:spTree>
     <p:extLst>
       <p:ext uri="{BB962C8B-B14F-4D97-AF65-F5344CB8AC3E}">
-        <p14:creationId xmlns:p14="http://schemas.microsoft.com/office/powerpoint/2010/main" val="3142901337"/>
+        <p14:creationId xmlns:p14="http://schemas.microsoft.com/office/powerpoint/2010/main" xmlns="" val="3142901337"/>
       </p:ext>
     </p:extLst>
   </p:cSld>
@@ -16508,7 +16549,7 @@
           <a:blip r:embed="rId3" cstate="print">
             <a:extLst>
               <a:ext uri="{28A0092B-C50C-407E-A947-70E740481C1C}">
-                <a14:useLocalDpi xmlns:a14="http://schemas.microsoft.com/office/drawing/2010/main" val="0"/>
+                <a14:useLocalDpi xmlns:a14="http://schemas.microsoft.com/office/drawing/2010/main" xmlns="" val="0"/>
               </a:ext>
             </a:extLst>
           </a:blip>
@@ -16549,7 +16590,7 @@
     </p:spTree>
     <p:extLst>
       <p:ext uri="{BB962C8B-B14F-4D97-AF65-F5344CB8AC3E}">
-        <p14:creationId xmlns:p14="http://schemas.microsoft.com/office/powerpoint/2010/main" val="26705875"/>
+        <p14:creationId xmlns:p14="http://schemas.microsoft.com/office/powerpoint/2010/main" xmlns="" val="26705875"/>
       </p:ext>
     </p:extLst>
   </p:cSld>
@@ -16628,7 +16669,7 @@
     </p:spTree>
     <p:extLst>
       <p:ext uri="{BB962C8B-B14F-4D97-AF65-F5344CB8AC3E}">
-        <p14:creationId xmlns:p14="http://schemas.microsoft.com/office/powerpoint/2010/main" val="1130265302"/>
+        <p14:creationId xmlns:p14="http://schemas.microsoft.com/office/powerpoint/2010/main" xmlns="" val="1130265302"/>
       </p:ext>
     </p:extLst>
   </p:cSld>
@@ -16729,7 +16770,7 @@
     </p:spTree>
     <p:extLst>
       <p:ext uri="{BB962C8B-B14F-4D97-AF65-F5344CB8AC3E}">
-        <p14:creationId xmlns:p14="http://schemas.microsoft.com/office/powerpoint/2010/main" val="67749569"/>
+        <p14:creationId xmlns:p14="http://schemas.microsoft.com/office/powerpoint/2010/main" xmlns="" val="67749569"/>
       </p:ext>
     </p:extLst>
   </p:cSld>
@@ -16827,7 +16868,7 @@
     </p:spTree>
     <p:extLst>
       <p:ext uri="{BB962C8B-B14F-4D97-AF65-F5344CB8AC3E}">
-        <p14:creationId xmlns:p14="http://schemas.microsoft.com/office/powerpoint/2010/main" val="4253662185"/>
+        <p14:creationId xmlns:p14="http://schemas.microsoft.com/office/powerpoint/2010/main" xmlns="" val="4253662185"/>
       </p:ext>
     </p:extLst>
   </p:cSld>
@@ -16906,7 +16947,7 @@
     </p:spTree>
     <p:extLst>
       <p:ext uri="{BB962C8B-B14F-4D97-AF65-F5344CB8AC3E}">
-        <p14:creationId xmlns:p14="http://schemas.microsoft.com/office/powerpoint/2010/main" val="2431633333"/>
+        <p14:creationId xmlns:p14="http://schemas.microsoft.com/office/powerpoint/2010/main" xmlns="" val="2431633333"/>
       </p:ext>
     </p:extLst>
   </p:cSld>
@@ -16997,7 +17038,7 @@
     </p:spTree>
     <p:extLst>
       <p:ext uri="{BB962C8B-B14F-4D97-AF65-F5344CB8AC3E}">
-        <p14:creationId xmlns:p14="http://schemas.microsoft.com/office/powerpoint/2010/main" val="145874112"/>
+        <p14:creationId xmlns:p14="http://schemas.microsoft.com/office/powerpoint/2010/main" xmlns="" val="145874112"/>
       </p:ext>
     </p:extLst>
   </p:cSld>
@@ -17048,8 +17089,21 @@
           <a:p>
             <a:r>
               <a:rPr lang="en-US" dirty="0" smtClean="0"/>
-              <a:t>Computerized, online scheduling system that allows for researchers and participants to see all experiments that are taking place and sign up for or create experiments</a:t>
+              <a:t>Unified system with automated email notifications</a:t>
             </a:r>
+          </a:p>
+          <a:p>
+            <a:r>
+              <a:rPr lang="en-US" dirty="0" smtClean="0"/>
+              <a:t>Easily display experiment information to a wider audience</a:t>
+            </a:r>
+          </a:p>
+          <a:p>
+            <a:r>
+              <a:rPr lang="en-US" dirty="0" smtClean="0"/>
+              <a:t>Allow users without technical savvy to sign up for experiments online</a:t>
+            </a:r>
+            <a:endParaRPr lang="en-US" dirty="0" smtClean="0"/>
           </a:p>
         </p:txBody>
       </p:sp>
@@ -17079,7 +17133,7 @@
     </p:spTree>
     <p:extLst>
       <p:ext uri="{BB962C8B-B14F-4D97-AF65-F5344CB8AC3E}">
-        <p14:creationId xmlns:p14="http://schemas.microsoft.com/office/powerpoint/2010/main" val="2628733075"/>
+        <p14:creationId xmlns:p14="http://schemas.microsoft.com/office/powerpoint/2010/main" xmlns="" val="2628733075"/>
       </p:ext>
     </p:extLst>
   </p:cSld>
@@ -17182,7 +17236,7 @@
     </p:spTree>
     <p:extLst>
       <p:ext uri="{BB962C8B-B14F-4D97-AF65-F5344CB8AC3E}">
-        <p14:creationId xmlns:p14="http://schemas.microsoft.com/office/powerpoint/2010/main" val="3969699867"/>
+        <p14:creationId xmlns:p14="http://schemas.microsoft.com/office/powerpoint/2010/main" xmlns="" val="3969699867"/>
       </p:ext>
     </p:extLst>
   </p:cSld>
@@ -17233,13 +17287,35 @@
           <a:p>
             <a:r>
               <a:rPr lang="en-US" dirty="0" smtClean="0"/>
-              <a:t>Find basic flaws in our design</a:t>
+              <a:t>Get an expert opinion on design and feel of the system</a:t>
             </a:r>
           </a:p>
           <a:p>
             <a:r>
               <a:rPr lang="en-US" dirty="0" smtClean="0"/>
-              <a:t>Better understand how a user would use the system</a:t>
+              <a:t>Allow researchers to get a first glimpse of what they will use</a:t>
+            </a:r>
+            <a:endParaRPr lang="en-US" dirty="0" smtClean="0"/>
+          </a:p>
+          <a:p>
+            <a:r>
+              <a:rPr lang="en-US" dirty="0" smtClean="0"/>
+              <a:t>Explore potential overlooked requirements</a:t>
+            </a:r>
+            <a:endParaRPr lang="en-US" dirty="0" smtClean="0"/>
+          </a:p>
+          <a:p>
+            <a:r>
+              <a:rPr lang="en-US" dirty="0" smtClean="0"/>
+              <a:t>Better understand how </a:t>
+            </a:r>
+            <a:r>
+              <a:rPr lang="en-US" dirty="0" smtClean="0"/>
+              <a:t>the researchers approach creating </a:t>
+            </a:r>
+            <a:r>
+              <a:rPr lang="en-US" smtClean="0"/>
+              <a:t>an experiment</a:t>
             </a:r>
             <a:endParaRPr lang="en-US" dirty="0"/>
           </a:p>
@@ -17271,7 +17347,7 @@
     </p:spTree>
     <p:extLst>
       <p:ext uri="{BB962C8B-B14F-4D97-AF65-F5344CB8AC3E}">
-        <p14:creationId xmlns:p14="http://schemas.microsoft.com/office/powerpoint/2010/main" val="1075119501"/>
+        <p14:creationId xmlns:p14="http://schemas.microsoft.com/office/powerpoint/2010/main" xmlns="" val="1075119501"/>
       </p:ext>
     </p:extLst>
   </p:cSld>
@@ -17396,7 +17472,7 @@
     </p:spTree>
     <p:extLst>
       <p:ext uri="{BB962C8B-B14F-4D97-AF65-F5344CB8AC3E}">
-        <p14:creationId xmlns:p14="http://schemas.microsoft.com/office/powerpoint/2010/main" val="1906150040"/>
+        <p14:creationId xmlns:p14="http://schemas.microsoft.com/office/powerpoint/2010/main" xmlns="" val="1906150040"/>
       </p:ext>
     </p:extLst>
   </p:cSld>
@@ -17540,7 +17616,7 @@
     </p:spTree>
     <p:extLst>
       <p:ext uri="{BB962C8B-B14F-4D97-AF65-F5344CB8AC3E}">
-        <p14:creationId xmlns:p14="http://schemas.microsoft.com/office/powerpoint/2010/main" val="1483288636"/>
+        <p14:creationId xmlns:p14="http://schemas.microsoft.com/office/powerpoint/2010/main" xmlns="" val="1483288636"/>
       </p:ext>
     </p:extLst>
   </p:cSld>
@@ -17635,7 +17711,7 @@
     </p:spTree>
     <p:extLst>
       <p:ext uri="{BB962C8B-B14F-4D97-AF65-F5344CB8AC3E}">
-        <p14:creationId xmlns:p14="http://schemas.microsoft.com/office/powerpoint/2010/main" val="2253733153"/>
+        <p14:creationId xmlns:p14="http://schemas.microsoft.com/office/powerpoint/2010/main" xmlns="" val="2253733153"/>
       </p:ext>
     </p:extLst>
   </p:cSld>
@@ -17683,7 +17759,7 @@
           <a:blip r:embed="rId3" cstate="print">
             <a:extLst>
               <a:ext uri="{28A0092B-C50C-407E-A947-70E740481C1C}">
-                <a14:useLocalDpi xmlns:a14="http://schemas.microsoft.com/office/drawing/2010/main" val="0"/>
+                <a14:useLocalDpi xmlns:a14="http://schemas.microsoft.com/office/drawing/2010/main" xmlns="" val="0"/>
               </a:ext>
             </a:extLst>
           </a:blip>
@@ -17728,7 +17804,7 @@
     </p:spTree>
     <p:extLst>
       <p:ext uri="{BB962C8B-B14F-4D97-AF65-F5344CB8AC3E}">
-        <p14:creationId xmlns:p14="http://schemas.microsoft.com/office/powerpoint/2010/main" val="3127850117"/>
+        <p14:creationId xmlns:p14="http://schemas.microsoft.com/office/powerpoint/2010/main" xmlns="" val="3127850117"/>
       </p:ext>
     </p:extLst>
   </p:cSld>

--- a/other/Participant Scheduling System.pptx
+++ b/other/Participant Scheduling System.pptx
@@ -376,7 +376,7 @@
     </p:spTree>
     <p:extLst>
       <p:ext uri="{BB962C8B-B14F-4D97-AF65-F5344CB8AC3E}">
-        <p14:creationId xmlns:p14="http://schemas.microsoft.com/office/powerpoint/2010/main" xmlns="" val="2979408043"/>
+        <p14:creationId xmlns="" xmlns:p14="http://schemas.microsoft.com/office/powerpoint/2010/main" val="2979408043"/>
       </p:ext>
     </p:extLst>
   </p:cSld>
@@ -555,7 +555,7 @@
     </p:spTree>
     <p:extLst>
       <p:ext uri="{BB962C8B-B14F-4D97-AF65-F5344CB8AC3E}">
-        <p14:creationId xmlns:p14="http://schemas.microsoft.com/office/powerpoint/2010/main" xmlns="" val="606450026"/>
+        <p14:creationId xmlns="" xmlns:p14="http://schemas.microsoft.com/office/powerpoint/2010/main" val="606450026"/>
       </p:ext>
     </p:extLst>
   </p:cSld>
@@ -644,7 +644,7 @@
     </p:spTree>
     <p:extLst>
       <p:ext uri="{BB962C8B-B14F-4D97-AF65-F5344CB8AC3E}">
-        <p14:creationId xmlns:p14="http://schemas.microsoft.com/office/powerpoint/2010/main" xmlns="" val="3563688765"/>
+        <p14:creationId xmlns="" xmlns:p14="http://schemas.microsoft.com/office/powerpoint/2010/main" val="3563688765"/>
       </p:ext>
     </p:extLst>
   </p:cSld>
@@ -733,7 +733,7 @@
     </p:spTree>
     <p:extLst>
       <p:ext uri="{BB962C8B-B14F-4D97-AF65-F5344CB8AC3E}">
-        <p14:creationId xmlns:p14="http://schemas.microsoft.com/office/powerpoint/2010/main" xmlns="" val="1027160672"/>
+        <p14:creationId xmlns="" xmlns:p14="http://schemas.microsoft.com/office/powerpoint/2010/main" val="1027160672"/>
       </p:ext>
     </p:extLst>
   </p:cSld>
@@ -822,7 +822,7 @@
     </p:spTree>
     <p:extLst>
       <p:ext uri="{BB962C8B-B14F-4D97-AF65-F5344CB8AC3E}">
-        <p14:creationId xmlns:p14="http://schemas.microsoft.com/office/powerpoint/2010/main" xmlns="" val="215227001"/>
+        <p14:creationId xmlns="" xmlns:p14="http://schemas.microsoft.com/office/powerpoint/2010/main" val="215227001"/>
       </p:ext>
     </p:extLst>
   </p:cSld>
@@ -911,7 +911,7 @@
     </p:spTree>
     <p:extLst>
       <p:ext uri="{BB962C8B-B14F-4D97-AF65-F5344CB8AC3E}">
-        <p14:creationId xmlns:p14="http://schemas.microsoft.com/office/powerpoint/2010/main" xmlns="" val="2933197602"/>
+        <p14:creationId xmlns="" xmlns:p14="http://schemas.microsoft.com/office/powerpoint/2010/main" val="2933197602"/>
       </p:ext>
     </p:extLst>
   </p:cSld>
@@ -1000,7 +1000,7 @@
     </p:spTree>
     <p:extLst>
       <p:ext uri="{BB962C8B-B14F-4D97-AF65-F5344CB8AC3E}">
-        <p14:creationId xmlns:p14="http://schemas.microsoft.com/office/powerpoint/2010/main" xmlns="" val="1921466989"/>
+        <p14:creationId xmlns="" xmlns:p14="http://schemas.microsoft.com/office/powerpoint/2010/main" val="1921466989"/>
       </p:ext>
     </p:extLst>
   </p:cSld>
@@ -1089,7 +1089,7 @@
     </p:spTree>
     <p:extLst>
       <p:ext uri="{BB962C8B-B14F-4D97-AF65-F5344CB8AC3E}">
-        <p14:creationId xmlns:p14="http://schemas.microsoft.com/office/powerpoint/2010/main" xmlns="" val="73812178"/>
+        <p14:creationId xmlns="" xmlns:p14="http://schemas.microsoft.com/office/powerpoint/2010/main" val="73812178"/>
       </p:ext>
     </p:extLst>
   </p:cSld>
@@ -1178,7 +1178,7 @@
     </p:spTree>
     <p:extLst>
       <p:ext uri="{BB962C8B-B14F-4D97-AF65-F5344CB8AC3E}">
-        <p14:creationId xmlns:p14="http://schemas.microsoft.com/office/powerpoint/2010/main" xmlns="" val="85565319"/>
+        <p14:creationId xmlns="" xmlns:p14="http://schemas.microsoft.com/office/powerpoint/2010/main" val="85565319"/>
       </p:ext>
     </p:extLst>
   </p:cSld>
@@ -1267,7 +1267,7 @@
     </p:spTree>
     <p:extLst>
       <p:ext uri="{BB962C8B-B14F-4D97-AF65-F5344CB8AC3E}">
-        <p14:creationId xmlns:p14="http://schemas.microsoft.com/office/powerpoint/2010/main" xmlns="" val="1623198740"/>
+        <p14:creationId xmlns="" xmlns:p14="http://schemas.microsoft.com/office/powerpoint/2010/main" val="1623198740"/>
       </p:ext>
     </p:extLst>
   </p:cSld>
@@ -1356,7 +1356,7 @@
     </p:spTree>
     <p:extLst>
       <p:ext uri="{BB962C8B-B14F-4D97-AF65-F5344CB8AC3E}">
-        <p14:creationId xmlns:p14="http://schemas.microsoft.com/office/powerpoint/2010/main" xmlns="" val="4123170506"/>
+        <p14:creationId xmlns="" xmlns:p14="http://schemas.microsoft.com/office/powerpoint/2010/main" val="4123170506"/>
       </p:ext>
     </p:extLst>
   </p:cSld>
@@ -1445,7 +1445,7 @@
     </p:spTree>
     <p:extLst>
       <p:ext uri="{BB962C8B-B14F-4D97-AF65-F5344CB8AC3E}">
-        <p14:creationId xmlns:p14="http://schemas.microsoft.com/office/powerpoint/2010/main" xmlns="" val="2774192762"/>
+        <p14:creationId xmlns="" xmlns:p14="http://schemas.microsoft.com/office/powerpoint/2010/main" val="2774192762"/>
       </p:ext>
     </p:extLst>
   </p:cSld>
@@ -1534,7 +1534,7 @@
     </p:spTree>
     <p:extLst>
       <p:ext uri="{BB962C8B-B14F-4D97-AF65-F5344CB8AC3E}">
-        <p14:creationId xmlns:p14="http://schemas.microsoft.com/office/powerpoint/2010/main" xmlns="" val="3019086209"/>
+        <p14:creationId xmlns="" xmlns:p14="http://schemas.microsoft.com/office/powerpoint/2010/main" val="3019086209"/>
       </p:ext>
     </p:extLst>
   </p:cSld>
@@ -1623,7 +1623,7 @@
     </p:spTree>
     <p:extLst>
       <p:ext uri="{BB962C8B-B14F-4D97-AF65-F5344CB8AC3E}">
-        <p14:creationId xmlns:p14="http://schemas.microsoft.com/office/powerpoint/2010/main" xmlns="" val="797059222"/>
+        <p14:creationId xmlns="" xmlns:p14="http://schemas.microsoft.com/office/powerpoint/2010/main" val="797059222"/>
       </p:ext>
     </p:extLst>
   </p:cSld>
@@ -1712,7 +1712,7 @@
     </p:spTree>
     <p:extLst>
       <p:ext uri="{BB962C8B-B14F-4D97-AF65-F5344CB8AC3E}">
-        <p14:creationId xmlns:p14="http://schemas.microsoft.com/office/powerpoint/2010/main" xmlns="" val="2394834596"/>
+        <p14:creationId xmlns="" xmlns:p14="http://schemas.microsoft.com/office/powerpoint/2010/main" val="2394834596"/>
       </p:ext>
     </p:extLst>
   </p:cSld>
@@ -1801,7 +1801,7 @@
     </p:spTree>
     <p:extLst>
       <p:ext uri="{BB962C8B-B14F-4D97-AF65-F5344CB8AC3E}">
-        <p14:creationId xmlns:p14="http://schemas.microsoft.com/office/powerpoint/2010/main" xmlns="" val="3684572649"/>
+        <p14:creationId xmlns="" xmlns:p14="http://schemas.microsoft.com/office/powerpoint/2010/main" val="3684572649"/>
       </p:ext>
     </p:extLst>
   </p:cSld>
@@ -16380,7 +16380,7 @@
           <a:blip r:embed="rId3" cstate="print">
             <a:extLst>
               <a:ext uri="{28A0092B-C50C-407E-A947-70E740481C1C}">
-                <a14:useLocalDpi xmlns:a14="http://schemas.microsoft.com/office/drawing/2010/main" xmlns="" val="0"/>
+                <a14:useLocalDpi xmlns="" xmlns:a14="http://schemas.microsoft.com/office/drawing/2010/main" val="0"/>
               </a:ext>
             </a:extLst>
           </a:blip>
@@ -16400,7 +16400,7 @@
           <a:noFill/>
           <a:extLst>
             <a:ext uri="{909E8E84-426E-40DD-AFC4-6F175D3DCCD1}">
-              <a14:hiddenFill xmlns:a14="http://schemas.microsoft.com/office/drawing/2010/main" xmlns="">
+              <a14:hiddenFill xmlns="" xmlns:a14="http://schemas.microsoft.com/office/drawing/2010/main">
                 <a:solidFill>
                   <a:srgbClr val="FFFFFF"/>
                 </a:solidFill>
@@ -16412,7 +16412,7 @@
     </p:spTree>
     <p:extLst>
       <p:ext uri="{BB962C8B-B14F-4D97-AF65-F5344CB8AC3E}">
-        <p14:creationId xmlns:p14="http://schemas.microsoft.com/office/powerpoint/2010/main" xmlns="" val="151767081"/>
+        <p14:creationId xmlns="" xmlns:p14="http://schemas.microsoft.com/office/powerpoint/2010/main" val="151767081"/>
       </p:ext>
     </p:extLst>
   </p:cSld>
@@ -16460,7 +16460,7 @@
           <a:blip r:embed="rId3" cstate="print">
             <a:extLst>
               <a:ext uri="{28A0092B-C50C-407E-A947-70E740481C1C}">
-                <a14:useLocalDpi xmlns:a14="http://schemas.microsoft.com/office/drawing/2010/main" xmlns="" val="0"/>
+                <a14:useLocalDpi xmlns="" xmlns:a14="http://schemas.microsoft.com/office/drawing/2010/main" val="0"/>
               </a:ext>
             </a:extLst>
           </a:blip>
@@ -16501,7 +16501,7 @@
     </p:spTree>
     <p:extLst>
       <p:ext uri="{BB962C8B-B14F-4D97-AF65-F5344CB8AC3E}">
-        <p14:creationId xmlns:p14="http://schemas.microsoft.com/office/powerpoint/2010/main" xmlns="" val="3142901337"/>
+        <p14:creationId xmlns="" xmlns:p14="http://schemas.microsoft.com/office/powerpoint/2010/main" val="3142901337"/>
       </p:ext>
     </p:extLst>
   </p:cSld>
@@ -16549,7 +16549,7 @@
           <a:blip r:embed="rId3" cstate="print">
             <a:extLst>
               <a:ext uri="{28A0092B-C50C-407E-A947-70E740481C1C}">
-                <a14:useLocalDpi xmlns:a14="http://schemas.microsoft.com/office/drawing/2010/main" xmlns="" val="0"/>
+                <a14:useLocalDpi xmlns="" xmlns:a14="http://schemas.microsoft.com/office/drawing/2010/main" val="0"/>
               </a:ext>
             </a:extLst>
           </a:blip>
@@ -16590,7 +16590,7 @@
     </p:spTree>
     <p:extLst>
       <p:ext uri="{BB962C8B-B14F-4D97-AF65-F5344CB8AC3E}">
-        <p14:creationId xmlns:p14="http://schemas.microsoft.com/office/powerpoint/2010/main" xmlns="" val="26705875"/>
+        <p14:creationId xmlns="" xmlns:p14="http://schemas.microsoft.com/office/powerpoint/2010/main" val="26705875"/>
       </p:ext>
     </p:extLst>
   </p:cSld>
@@ -16669,7 +16669,7 @@
     </p:spTree>
     <p:extLst>
       <p:ext uri="{BB962C8B-B14F-4D97-AF65-F5344CB8AC3E}">
-        <p14:creationId xmlns:p14="http://schemas.microsoft.com/office/powerpoint/2010/main" xmlns="" val="1130265302"/>
+        <p14:creationId xmlns="" xmlns:p14="http://schemas.microsoft.com/office/powerpoint/2010/main" val="1130265302"/>
       </p:ext>
     </p:extLst>
   </p:cSld>
@@ -16770,7 +16770,7 @@
     </p:spTree>
     <p:extLst>
       <p:ext uri="{BB962C8B-B14F-4D97-AF65-F5344CB8AC3E}">
-        <p14:creationId xmlns:p14="http://schemas.microsoft.com/office/powerpoint/2010/main" xmlns="" val="67749569"/>
+        <p14:creationId xmlns="" xmlns:p14="http://schemas.microsoft.com/office/powerpoint/2010/main" val="67749569"/>
       </p:ext>
     </p:extLst>
   </p:cSld>
@@ -16868,7 +16868,7 @@
     </p:spTree>
     <p:extLst>
       <p:ext uri="{BB962C8B-B14F-4D97-AF65-F5344CB8AC3E}">
-        <p14:creationId xmlns:p14="http://schemas.microsoft.com/office/powerpoint/2010/main" xmlns="" val="4253662185"/>
+        <p14:creationId xmlns="" xmlns:p14="http://schemas.microsoft.com/office/powerpoint/2010/main" val="4253662185"/>
       </p:ext>
     </p:extLst>
   </p:cSld>
@@ -16947,7 +16947,7 @@
     </p:spTree>
     <p:extLst>
       <p:ext uri="{BB962C8B-B14F-4D97-AF65-F5344CB8AC3E}">
-        <p14:creationId xmlns:p14="http://schemas.microsoft.com/office/powerpoint/2010/main" xmlns="" val="2431633333"/>
+        <p14:creationId xmlns="" xmlns:p14="http://schemas.microsoft.com/office/powerpoint/2010/main" val="2431633333"/>
       </p:ext>
     </p:extLst>
   </p:cSld>
@@ -17038,7 +17038,7 @@
     </p:spTree>
     <p:extLst>
       <p:ext uri="{BB962C8B-B14F-4D97-AF65-F5344CB8AC3E}">
-        <p14:creationId xmlns:p14="http://schemas.microsoft.com/office/powerpoint/2010/main" xmlns="" val="145874112"/>
+        <p14:creationId xmlns="" xmlns:p14="http://schemas.microsoft.com/office/powerpoint/2010/main" val="145874112"/>
       </p:ext>
     </p:extLst>
   </p:cSld>
@@ -17103,7 +17103,6 @@
               <a:rPr lang="en-US" dirty="0" smtClean="0"/>
               <a:t>Allow users without technical savvy to sign up for experiments online</a:t>
             </a:r>
-            <a:endParaRPr lang="en-US" dirty="0" smtClean="0"/>
           </a:p>
         </p:txBody>
       </p:sp>
@@ -17133,7 +17132,7 @@
     </p:spTree>
     <p:extLst>
       <p:ext uri="{BB962C8B-B14F-4D97-AF65-F5344CB8AC3E}">
-        <p14:creationId xmlns:p14="http://schemas.microsoft.com/office/powerpoint/2010/main" xmlns="" val="2628733075"/>
+        <p14:creationId xmlns="" xmlns:p14="http://schemas.microsoft.com/office/powerpoint/2010/main" val="2628733075"/>
       </p:ext>
     </p:extLst>
   </p:cSld>
@@ -17236,7 +17235,7 @@
     </p:spTree>
     <p:extLst>
       <p:ext uri="{BB962C8B-B14F-4D97-AF65-F5344CB8AC3E}">
-        <p14:creationId xmlns:p14="http://schemas.microsoft.com/office/powerpoint/2010/main" xmlns="" val="3969699867"/>
+        <p14:creationId xmlns="" xmlns:p14="http://schemas.microsoft.com/office/powerpoint/2010/main" val="3969699867"/>
       </p:ext>
     </p:extLst>
   </p:cSld>
@@ -17295,27 +17294,25 @@
               <a:rPr lang="en-US" dirty="0" smtClean="0"/>
               <a:t>Allow researchers to get a first glimpse of what they will use</a:t>
             </a:r>
-            <a:endParaRPr lang="en-US" dirty="0" smtClean="0"/>
           </a:p>
           <a:p>
             <a:r>
               <a:rPr lang="en-US" dirty="0" smtClean="0"/>
-              <a:t>Explore potential overlooked requirements</a:t>
-            </a:r>
-            <a:endParaRPr lang="en-US" dirty="0" smtClean="0"/>
-          </a:p>
-          <a:p>
-            <a:r>
-              <a:rPr lang="en-US" dirty="0" smtClean="0"/>
-              <a:t>Better understand how </a:t>
+              <a:t>Explore </a:t>
             </a:r>
             <a:r>
               <a:rPr lang="en-US" dirty="0" smtClean="0"/>
-              <a:t>the researchers approach creating </a:t>
+              <a:t>potentially </a:t>
             </a:r>
             <a:r>
-              <a:rPr lang="en-US" smtClean="0"/>
-              <a:t>an experiment</a:t>
+              <a:rPr lang="en-US" dirty="0" smtClean="0"/>
+              <a:t>overlooked requirements</a:t>
+            </a:r>
+          </a:p>
+          <a:p>
+            <a:r>
+              <a:rPr lang="en-US" dirty="0" smtClean="0"/>
+              <a:t>Better understand how the researchers approach creating an experiment</a:t>
             </a:r>
             <a:endParaRPr lang="en-US" dirty="0"/>
           </a:p>
@@ -17347,7 +17344,7 @@
     </p:spTree>
     <p:extLst>
       <p:ext uri="{BB962C8B-B14F-4D97-AF65-F5344CB8AC3E}">
-        <p14:creationId xmlns:p14="http://schemas.microsoft.com/office/powerpoint/2010/main" xmlns="" val="1075119501"/>
+        <p14:creationId xmlns="" xmlns:p14="http://schemas.microsoft.com/office/powerpoint/2010/main" val="1075119501"/>
       </p:ext>
     </p:extLst>
   </p:cSld>
@@ -17472,7 +17469,7 @@
     </p:spTree>
     <p:extLst>
       <p:ext uri="{BB962C8B-B14F-4D97-AF65-F5344CB8AC3E}">
-        <p14:creationId xmlns:p14="http://schemas.microsoft.com/office/powerpoint/2010/main" xmlns="" val="1906150040"/>
+        <p14:creationId xmlns="" xmlns:p14="http://schemas.microsoft.com/office/powerpoint/2010/main" val="1906150040"/>
       </p:ext>
     </p:extLst>
   </p:cSld>
@@ -17616,7 +17613,7 @@
     </p:spTree>
     <p:extLst>
       <p:ext uri="{BB962C8B-B14F-4D97-AF65-F5344CB8AC3E}">
-        <p14:creationId xmlns:p14="http://schemas.microsoft.com/office/powerpoint/2010/main" xmlns="" val="1483288636"/>
+        <p14:creationId xmlns="" xmlns:p14="http://schemas.microsoft.com/office/powerpoint/2010/main" val="1483288636"/>
       </p:ext>
     </p:extLst>
   </p:cSld>
@@ -17711,7 +17708,7 @@
     </p:spTree>
     <p:extLst>
       <p:ext uri="{BB962C8B-B14F-4D97-AF65-F5344CB8AC3E}">
-        <p14:creationId xmlns:p14="http://schemas.microsoft.com/office/powerpoint/2010/main" xmlns="" val="2253733153"/>
+        <p14:creationId xmlns="" xmlns:p14="http://schemas.microsoft.com/office/powerpoint/2010/main" val="2253733153"/>
       </p:ext>
     </p:extLst>
   </p:cSld>
@@ -17759,7 +17756,7 @@
           <a:blip r:embed="rId3" cstate="print">
             <a:extLst>
               <a:ext uri="{28A0092B-C50C-407E-A947-70E740481C1C}">
-                <a14:useLocalDpi xmlns:a14="http://schemas.microsoft.com/office/drawing/2010/main" xmlns="" val="0"/>
+                <a14:useLocalDpi xmlns="" xmlns:a14="http://schemas.microsoft.com/office/drawing/2010/main" val="0"/>
               </a:ext>
             </a:extLst>
           </a:blip>
@@ -17804,7 +17801,7 @@
     </p:spTree>
     <p:extLst>
       <p:ext uri="{BB962C8B-B14F-4D97-AF65-F5344CB8AC3E}">
-        <p14:creationId xmlns:p14="http://schemas.microsoft.com/office/powerpoint/2010/main" xmlns="" val="3127850117"/>
+        <p14:creationId xmlns="" xmlns:p14="http://schemas.microsoft.com/office/powerpoint/2010/main" val="3127850117"/>
       </p:ext>
     </p:extLst>
   </p:cSld>
